--- a/notes/csc493-ln016.pptx
+++ b/notes/csc493-ln016.pptx
@@ -5,10 +5,10 @@
     <p:sldMasterId id="2147483651" r:id="rId1"/>
   </p:sldMasterIdLst>
   <p:notesMasterIdLst>
-    <p:notesMasterId r:id="rId11"/>
+    <p:notesMasterId r:id="rId16"/>
   </p:notesMasterIdLst>
   <p:handoutMasterIdLst>
-    <p:handoutMasterId r:id="rId12"/>
+    <p:handoutMasterId r:id="rId17"/>
   </p:handoutMasterIdLst>
   <p:sldIdLst>
     <p:sldId id="268" r:id="rId2"/>
@@ -20,6 +20,11 @@
     <p:sldId id="274" r:id="rId8"/>
     <p:sldId id="275" r:id="rId9"/>
     <p:sldId id="276" r:id="rId10"/>
+    <p:sldId id="277" r:id="rId11"/>
+    <p:sldId id="301" r:id="rId12"/>
+    <p:sldId id="302" r:id="rId13"/>
+    <p:sldId id="303" r:id="rId14"/>
+    <p:sldId id="304" r:id="rId15"/>
   </p:sldIdLst>
   <p:sldSz cx="9144000" cy="6858000" type="screen4x3"/>
   <p:notesSz cx="6856413" cy="9083675"/>
@@ -5233,6 +5238,2258 @@
     <p:extLst>
       <p:ext uri="{BB962C8B-B14F-4D97-AF65-F5344CB8AC3E}">
         <p14:creationId xmlns:p14="http://schemas.microsoft.com/office/powerpoint/2010/main" val="753335792"/>
+      </p:ext>
+    </p:extLst>
+  </p:cSld>
+  <p:clrMapOvr>
+    <a:masterClrMapping/>
+  </p:clrMapOvr>
+</p:sld>
+</file>
+
+<file path=ppt/slides/slide10.xml><?xml version="1.0" encoding="utf-8"?>
+<p:sld xmlns:a="http://schemas.openxmlformats.org/drawingml/2006/main" xmlns:r="http://schemas.openxmlformats.org/officeDocument/2006/relationships" xmlns:p="http://schemas.openxmlformats.org/presentationml/2006/main">
+  <p:cSld>
+    <p:spTree>
+      <p:nvGrpSpPr>
+        <p:cNvPr id="1" name=""/>
+        <p:cNvGrpSpPr/>
+        <p:nvPr/>
+      </p:nvGrpSpPr>
+      <p:grpSpPr>
+        <a:xfrm>
+          <a:off x="0" y="0"/>
+          <a:ext cx="0" cy="0"/>
+          <a:chOff x="0" y="0"/>
+          <a:chExt cx="0" cy="0"/>
+        </a:xfrm>
+      </p:grpSpPr>
+      <p:sp>
+        <p:nvSpPr>
+          <p:cNvPr id="2" name="Title 1">
+            <a:extLst>
+              <a:ext uri="{FF2B5EF4-FFF2-40B4-BE49-F238E27FC236}">
+                <a16:creationId xmlns:a16="http://schemas.microsoft.com/office/drawing/2014/main" id="{5CB145F9-499B-3542-86E0-DD4BB9F6FC6C}"/>
+              </a:ext>
+            </a:extLst>
+          </p:cNvPr>
+          <p:cNvSpPr>
+            <a:spLocks noGrp="1"/>
+          </p:cNvSpPr>
+          <p:nvPr>
+            <p:ph type="title"/>
+          </p:nvPr>
+        </p:nvSpPr>
+        <p:spPr/>
+        <p:txBody>
+          <a:bodyPr/>
+          <a:lstStyle/>
+          <a:p>
+            <a:r>
+              <a:rPr lang="en-US" dirty="0"/>
+              <a:t>Subtype Polymorphism</a:t>
+            </a:r>
+          </a:p>
+        </p:txBody>
+      </p:sp>
+      <p:sp>
+        <p:nvSpPr>
+          <p:cNvPr id="3" name="Content Placeholder 2">
+            <a:extLst>
+              <a:ext uri="{FF2B5EF4-FFF2-40B4-BE49-F238E27FC236}">
+                <a16:creationId xmlns:a16="http://schemas.microsoft.com/office/drawing/2014/main" id="{CF7C41CD-133E-0A4A-92EC-21A0017A526C}"/>
+              </a:ext>
+            </a:extLst>
+          </p:cNvPr>
+          <p:cNvSpPr>
+            <a:spLocks noGrp="1"/>
+          </p:cNvSpPr>
+          <p:nvPr>
+            <p:ph idx="1"/>
+          </p:nvPr>
+        </p:nvSpPr>
+        <p:spPr>
+          <a:xfrm>
+            <a:off x="1524000" y="1905000"/>
+            <a:ext cx="7010400" cy="3810000"/>
+          </a:xfrm>
+        </p:spPr>
+        <p:txBody>
+          <a:bodyPr>
+            <a:normAutofit/>
+          </a:bodyPr>
+          <a:lstStyle/>
+          <a:p>
+            <a:r>
+              <a:rPr lang="en-US" dirty="0"/>
+              <a:t>In statically typed languages such as Java and Rust subtype polymorphism allows us to have type safe polymorphic containers</a:t>
+            </a:r>
+          </a:p>
+          <a:p>
+            <a:r>
+              <a:rPr lang="en-US" dirty="0"/>
+              <a:t>Recall our Rust Shape container </a:t>
+            </a:r>
+            <a:r>
+              <a:rPr lang="en-US" dirty="0">
+                <a:hlinkClick r:id="rId2"/>
+              </a:rPr>
+              <a:t>ln008</a:t>
+            </a:r>
+            <a:r>
+              <a:rPr lang="en-US" dirty="0"/>
+              <a:t> slide pack slide 5</a:t>
+            </a:r>
+          </a:p>
+        </p:txBody>
+      </p:sp>
+    </p:spTree>
+    <p:extLst>
+      <p:ext uri="{BB962C8B-B14F-4D97-AF65-F5344CB8AC3E}">
+        <p14:creationId xmlns:p14="http://schemas.microsoft.com/office/powerpoint/2010/main" val="1196075692"/>
+      </p:ext>
+    </p:extLst>
+  </p:cSld>
+  <p:clrMapOvr>
+    <a:masterClrMapping/>
+  </p:clrMapOvr>
+</p:sld>
+</file>
+
+<file path=ppt/slides/slide11.xml><?xml version="1.0" encoding="utf-8"?>
+<p:sld xmlns:a="http://schemas.openxmlformats.org/drawingml/2006/main" xmlns:r="http://schemas.openxmlformats.org/officeDocument/2006/relationships" xmlns:p="http://schemas.openxmlformats.org/presentationml/2006/main">
+  <p:cSld>
+    <p:spTree>
+      <p:nvGrpSpPr>
+        <p:cNvPr id="1" name=""/>
+        <p:cNvGrpSpPr/>
+        <p:nvPr/>
+      </p:nvGrpSpPr>
+      <p:grpSpPr>
+        <a:xfrm>
+          <a:off x="0" y="0"/>
+          <a:ext cx="0" cy="0"/>
+          <a:chOff x="0" y="0"/>
+          <a:chExt cx="0" cy="0"/>
+        </a:xfrm>
+      </p:grpSpPr>
+      <p:sp>
+        <p:nvSpPr>
+          <p:cNvPr id="2" name="Title 1">
+            <a:extLst>
+              <a:ext uri="{FF2B5EF4-FFF2-40B4-BE49-F238E27FC236}">
+                <a16:creationId xmlns:a16="http://schemas.microsoft.com/office/drawing/2014/main" id="{9FE0B728-B8BD-2A44-A40A-A0B9D8EDC8C0}"/>
+              </a:ext>
+            </a:extLst>
+          </p:cNvPr>
+          <p:cNvSpPr>
+            <a:spLocks noGrp="1"/>
+          </p:cNvSpPr>
+          <p:nvPr>
+            <p:ph type="title"/>
+          </p:nvPr>
+        </p:nvSpPr>
+        <p:spPr/>
+        <p:txBody>
+          <a:bodyPr/>
+          <a:lstStyle/>
+          <a:p>
+            <a:r>
+              <a:rPr lang="en-US" dirty="0"/>
+              <a:t>Subtype Polymorphism</a:t>
+            </a:r>
+          </a:p>
+        </p:txBody>
+      </p:sp>
+      <p:sp>
+        <p:nvSpPr>
+          <p:cNvPr id="37" name="Content Placeholder 36">
+            <a:extLst>
+              <a:ext uri="{FF2B5EF4-FFF2-40B4-BE49-F238E27FC236}">
+                <a16:creationId xmlns:a16="http://schemas.microsoft.com/office/drawing/2014/main" id="{3A53B17F-E124-0547-BE34-0E4306E975E9}"/>
+              </a:ext>
+            </a:extLst>
+          </p:cNvPr>
+          <p:cNvSpPr>
+            <a:spLocks noGrp="1"/>
+          </p:cNvSpPr>
+          <p:nvPr>
+            <p:ph idx="1"/>
+          </p:nvPr>
+        </p:nvSpPr>
+        <p:spPr>
+          <a:xfrm>
+            <a:off x="1507253" y="5029199"/>
+            <a:ext cx="7010400" cy="1488818"/>
+          </a:xfrm>
+        </p:spPr>
+        <p:txBody>
+          <a:bodyPr>
+            <a:normAutofit fontScale="92500" lnSpcReduction="20000"/>
+          </a:bodyPr>
+          <a:lstStyle/>
+          <a:p>
+            <a:r>
+              <a:rPr lang="en-US" dirty="0"/>
+              <a:t>Dynamic dispatch realizes when calling the draw function of the trait that an implementation of that trait function exists in the structure and calls it.</a:t>
+            </a:r>
+          </a:p>
+        </p:txBody>
+      </p:sp>
+      <p:sp>
+        <p:nvSpPr>
+          <p:cNvPr id="7" name="TextBox 6">
+            <a:extLst>
+              <a:ext uri="{FF2B5EF4-FFF2-40B4-BE49-F238E27FC236}">
+                <a16:creationId xmlns:a16="http://schemas.microsoft.com/office/drawing/2014/main" id="{F67E19BC-7A4B-DD41-B86F-A9E8D8573A49}"/>
+              </a:ext>
+            </a:extLst>
+          </p:cNvPr>
+          <p:cNvSpPr txBox="1"/>
+          <p:nvPr/>
+        </p:nvSpPr>
+        <p:spPr>
+          <a:xfrm>
+            <a:off x="221925" y="1776997"/>
+            <a:ext cx="4134465" cy="338554"/>
+          </a:xfrm>
+          <a:prstGeom prst="rect">
+            <a:avLst/>
+          </a:prstGeom>
+          <a:noFill/>
+        </p:spPr>
+        <p:txBody>
+          <a:bodyPr wrap="none" rtlCol="0">
+            <a:spAutoFit/>
+          </a:bodyPr>
+          <a:lstStyle/>
+          <a:p>
+            <a:r>
+              <a:rPr lang="en-US" sz="1600" b="0" dirty="0">
+                <a:solidFill>
+                  <a:srgbClr val="0000FF"/>
+                </a:solidFill>
+                <a:effectLst/>
+                <a:latin typeface="Menlo" panose="020B0609030804020204" pitchFamily="49" charset="0"/>
+              </a:rPr>
+              <a:t>let</a:t>
+            </a:r>
+            <a:r>
+              <a:rPr lang="en-US" sz="1600" b="0" dirty="0">
+                <a:solidFill>
+                  <a:srgbClr val="000000"/>
+                </a:solidFill>
+                <a:effectLst/>
+                <a:latin typeface="Menlo" panose="020B0609030804020204" pitchFamily="49" charset="0"/>
+              </a:rPr>
+              <a:t> </a:t>
+            </a:r>
+            <a:r>
+              <a:rPr lang="en-US" sz="1600" b="0" dirty="0">
+                <a:solidFill>
+                  <a:srgbClr val="0000FF"/>
+                </a:solidFill>
+                <a:effectLst/>
+                <a:latin typeface="Menlo" panose="020B0609030804020204" pitchFamily="49" charset="0"/>
+              </a:rPr>
+              <a:t>mut</a:t>
+            </a:r>
+            <a:r>
+              <a:rPr lang="en-US" sz="1600" b="0" dirty="0">
+                <a:solidFill>
+                  <a:srgbClr val="000000"/>
+                </a:solidFill>
+                <a:effectLst/>
+                <a:latin typeface="Menlo" panose="020B0609030804020204" pitchFamily="49" charset="0"/>
+              </a:rPr>
+              <a:t> </a:t>
+            </a:r>
+            <a:r>
+              <a:rPr lang="en-US" sz="1600" b="0" dirty="0">
+                <a:solidFill>
+                  <a:srgbClr val="001080"/>
+                </a:solidFill>
+                <a:effectLst/>
+                <a:latin typeface="Menlo" panose="020B0609030804020204" pitchFamily="49" charset="0"/>
+              </a:rPr>
+              <a:t>v</a:t>
+            </a:r>
+            <a:r>
+              <a:rPr lang="en-US" sz="1600" b="0" dirty="0">
+                <a:solidFill>
+                  <a:srgbClr val="000000"/>
+                </a:solidFill>
+                <a:effectLst/>
+                <a:latin typeface="Menlo" panose="020B0609030804020204" pitchFamily="49" charset="0"/>
+              </a:rPr>
+              <a:t>: </a:t>
+            </a:r>
+            <a:r>
+              <a:rPr lang="en-US" sz="1600" b="0" dirty="0" err="1">
+                <a:solidFill>
+                  <a:srgbClr val="267F99"/>
+                </a:solidFill>
+                <a:effectLst/>
+                <a:latin typeface="Menlo" panose="020B0609030804020204" pitchFamily="49" charset="0"/>
+              </a:rPr>
+              <a:t>Vec</a:t>
+            </a:r>
+            <a:r>
+              <a:rPr lang="en-US" sz="1600" b="0" dirty="0">
+                <a:solidFill>
+                  <a:srgbClr val="000000"/>
+                </a:solidFill>
+                <a:effectLst/>
+                <a:latin typeface="Menlo" panose="020B0609030804020204" pitchFamily="49" charset="0"/>
+              </a:rPr>
+              <a:t>&lt;</a:t>
+            </a:r>
+            <a:r>
+              <a:rPr lang="en-US" sz="1600" b="0" dirty="0">
+                <a:solidFill>
+                  <a:srgbClr val="267F99"/>
+                </a:solidFill>
+                <a:effectLst/>
+                <a:latin typeface="Menlo" panose="020B0609030804020204" pitchFamily="49" charset="0"/>
+              </a:rPr>
+              <a:t>Box</a:t>
+            </a:r>
+            <a:r>
+              <a:rPr lang="en-US" sz="1600" b="0" dirty="0">
+                <a:solidFill>
+                  <a:srgbClr val="000000"/>
+                </a:solidFill>
+                <a:effectLst/>
+                <a:latin typeface="Menlo" panose="020B0609030804020204" pitchFamily="49" charset="0"/>
+              </a:rPr>
+              <a:t>&lt;</a:t>
+            </a:r>
+            <a:r>
+              <a:rPr lang="en-US" sz="1600" b="0" dirty="0" err="1">
+                <a:solidFill>
+                  <a:srgbClr val="0000FF"/>
+                </a:solidFill>
+                <a:effectLst/>
+                <a:latin typeface="Menlo" panose="020B0609030804020204" pitchFamily="49" charset="0"/>
+              </a:rPr>
+              <a:t>dyn</a:t>
+            </a:r>
+            <a:r>
+              <a:rPr lang="en-US" sz="1600" b="0" dirty="0">
+                <a:solidFill>
+                  <a:srgbClr val="000000"/>
+                </a:solidFill>
+                <a:effectLst/>
+                <a:latin typeface="Menlo" panose="020B0609030804020204" pitchFamily="49" charset="0"/>
+              </a:rPr>
+              <a:t> </a:t>
+            </a:r>
+            <a:r>
+              <a:rPr lang="en-US" sz="1600" b="0" dirty="0">
+                <a:solidFill>
+                  <a:srgbClr val="267F99"/>
+                </a:solidFill>
+                <a:effectLst/>
+                <a:latin typeface="Menlo" panose="020B0609030804020204" pitchFamily="49" charset="0"/>
+              </a:rPr>
+              <a:t>Shape</a:t>
+            </a:r>
+            <a:r>
+              <a:rPr lang="en-US" sz="1600" b="0" dirty="0">
+                <a:solidFill>
+                  <a:srgbClr val="000000"/>
+                </a:solidFill>
+                <a:effectLst/>
+                <a:latin typeface="Menlo" panose="020B0609030804020204" pitchFamily="49" charset="0"/>
+              </a:rPr>
+              <a:t>&gt;&gt; =</a:t>
+            </a:r>
+          </a:p>
+        </p:txBody>
+      </p:sp>
+      <p:grpSp>
+        <p:nvGrpSpPr>
+          <p:cNvPr id="5" name="Group 4">
+            <a:extLst>
+              <a:ext uri="{FF2B5EF4-FFF2-40B4-BE49-F238E27FC236}">
+                <a16:creationId xmlns:a16="http://schemas.microsoft.com/office/drawing/2014/main" id="{04180CE4-50B4-D64A-AD79-282846A7C33E}"/>
+              </a:ext>
+            </a:extLst>
+          </p:cNvPr>
+          <p:cNvGrpSpPr/>
+          <p:nvPr/>
+        </p:nvGrpSpPr>
+        <p:grpSpPr>
+          <a:xfrm>
+            <a:off x="2057400" y="2209800"/>
+            <a:ext cx="5105400" cy="2438400"/>
+            <a:chOff x="2057400" y="2133600"/>
+            <a:chExt cx="5105400" cy="2438400"/>
+          </a:xfrm>
+        </p:grpSpPr>
+        <p:sp>
+          <p:nvSpPr>
+            <p:cNvPr id="8" name="Double Bracket 7">
+              <a:extLst>
+                <a:ext uri="{FF2B5EF4-FFF2-40B4-BE49-F238E27FC236}">
+                  <a16:creationId xmlns:a16="http://schemas.microsoft.com/office/drawing/2014/main" id="{59C895EC-90DE-AE4F-8784-DEC805108483}"/>
+                </a:ext>
+              </a:extLst>
+            </p:cNvPr>
+            <p:cNvSpPr/>
+            <p:nvPr/>
+          </p:nvSpPr>
+          <p:spPr bwMode="auto">
+            <a:xfrm>
+              <a:off x="2286000" y="2133600"/>
+              <a:ext cx="4876800" cy="1295400"/>
+            </a:xfrm>
+            <a:prstGeom prst="bracketPair">
+              <a:avLst/>
+            </a:prstGeom>
+            <a:noFill/>
+            <a:ln w="9525" cap="flat" cmpd="sng" algn="ctr">
+              <a:solidFill>
+                <a:schemeClr val="tx1"/>
+              </a:solidFill>
+              <a:prstDash val="solid"/>
+              <a:round/>
+              <a:headEnd type="none" w="med" len="med"/>
+              <a:tailEnd type="none" w="med" len="med"/>
+            </a:ln>
+            <a:effectLst/>
+            <a:extLst>
+              <a:ext uri="{AF507438-7753-43e0-B8FC-AC1667EBCBE1}">
+                <a14:hiddenEffects xmlns="" xmlns:a14="http://schemas.microsoft.com/office/drawing/2010/main">
+                  <a:effectLst>
+                    <a:outerShdw blurRad="63500" dist="38099" dir="2700000" algn="ctr" rotWithShape="0">
+                      <a:schemeClr val="bg2">
+                        <a:alpha val="74998"/>
+                      </a:schemeClr>
+                    </a:outerShdw>
+                  </a:effectLst>
+                </a14:hiddenEffects>
+              </a:ext>
+            </a:extLst>
+          </p:spPr>
+          <p:txBody>
+            <a:bodyPr vert="horz" wrap="square" lIns="91440" tIns="45720" rIns="91440" bIns="45720" numCol="1" rtlCol="0" anchor="t" anchorCtr="0" compatLnSpc="1">
+              <a:prstTxWarp prst="textNoShape">
+                <a:avLst/>
+              </a:prstTxWarp>
+            </a:bodyPr>
+            <a:lstStyle/>
+            <a:p>
+              <a:pPr marL="0" marR="0" indent="0" algn="l" defTabSz="914400" rtl="0" eaLnBrk="0" fontAlgn="base" latinLnBrk="0" hangingPunct="0">
+                <a:lnSpc>
+                  <a:spcPct val="100000"/>
+                </a:lnSpc>
+                <a:spcBef>
+                  <a:spcPct val="0"/>
+                </a:spcBef>
+                <a:spcAft>
+                  <a:spcPct val="0"/>
+                </a:spcAft>
+                <a:buClrTx/>
+                <a:buSzTx/>
+                <a:buFontTx/>
+                <a:buNone/>
+                <a:tabLst/>
+              </a:pPr>
+              <a:endParaRPr kumimoji="0" lang="en-US" sz="1600" b="0" i="0" u="none" strike="noStrike" cap="none" normalizeH="0" baseline="0">
+                <a:ln>
+                  <a:noFill/>
+                </a:ln>
+                <a:solidFill>
+                  <a:srgbClr val="000000"/>
+                </a:solidFill>
+                <a:effectLst/>
+                <a:latin typeface="Arial" charset="0"/>
+                <a:ea typeface="ＭＳ Ｐゴシック" charset="0"/>
+              </a:endParaRPr>
+            </a:p>
+          </p:txBody>
+        </p:sp>
+        <p:grpSp>
+          <p:nvGrpSpPr>
+            <p:cNvPr id="14" name="Group 13">
+              <a:extLst>
+                <a:ext uri="{FF2B5EF4-FFF2-40B4-BE49-F238E27FC236}">
+                  <a16:creationId xmlns:a16="http://schemas.microsoft.com/office/drawing/2014/main" id="{F5D9B326-9B2D-454C-9506-ECE6416F6EC7}"/>
+                </a:ext>
+              </a:extLst>
+            </p:cNvPr>
+            <p:cNvGrpSpPr/>
+            <p:nvPr/>
+          </p:nvGrpSpPr>
+          <p:grpSpPr>
+            <a:xfrm>
+              <a:off x="2514600" y="2286000"/>
+              <a:ext cx="1143000" cy="2286000"/>
+              <a:chOff x="2743200" y="2286000"/>
+              <a:chExt cx="1143000" cy="2286000"/>
+            </a:xfrm>
+          </p:grpSpPr>
+          <p:sp>
+            <p:nvSpPr>
+              <p:cNvPr id="9" name="Rounded Rectangle 8">
+                <a:extLst>
+                  <a:ext uri="{FF2B5EF4-FFF2-40B4-BE49-F238E27FC236}">
+                    <a16:creationId xmlns:a16="http://schemas.microsoft.com/office/drawing/2014/main" id="{93B046FE-22FD-F042-995A-73E5BF54F8AC}"/>
+                  </a:ext>
+                </a:extLst>
+              </p:cNvPr>
+              <p:cNvSpPr/>
+              <p:nvPr/>
+            </p:nvSpPr>
+            <p:spPr bwMode="auto">
+              <a:xfrm>
+                <a:off x="2743200" y="2286000"/>
+                <a:ext cx="1143000" cy="914400"/>
+              </a:xfrm>
+              <a:prstGeom prst="roundRect">
+                <a:avLst/>
+              </a:prstGeom>
+              <a:solidFill>
+                <a:schemeClr val="accent1"/>
+              </a:solidFill>
+              <a:ln w="9525" cap="flat" cmpd="sng" algn="ctr">
+                <a:solidFill>
+                  <a:schemeClr val="tx1"/>
+                </a:solidFill>
+                <a:prstDash val="solid"/>
+                <a:round/>
+                <a:headEnd type="none" w="med" len="med"/>
+                <a:tailEnd type="none" w="med" len="med"/>
+              </a:ln>
+              <a:effectLst/>
+              <a:extLst>
+                <a:ext uri="{AF507438-7753-43e0-B8FC-AC1667EBCBE1}">
+                  <a14:hiddenEffects xmlns="" xmlns:a14="http://schemas.microsoft.com/office/drawing/2010/main">
+                    <a:effectLst>
+                      <a:outerShdw blurRad="63500" dist="38099" dir="2700000" algn="ctr" rotWithShape="0">
+                        <a:schemeClr val="bg2">
+                          <a:alpha val="74998"/>
+                        </a:schemeClr>
+                      </a:outerShdw>
+                    </a:effectLst>
+                  </a14:hiddenEffects>
+                </a:ext>
+              </a:extLst>
+            </p:spPr>
+            <p:txBody>
+              <a:bodyPr vert="horz" wrap="square" lIns="91440" tIns="45720" rIns="91440" bIns="45720" numCol="1" rtlCol="0" anchor="t" anchorCtr="0" compatLnSpc="1">
+                <a:prstTxWarp prst="textNoShape">
+                  <a:avLst/>
+                </a:prstTxWarp>
+              </a:bodyPr>
+              <a:lstStyle/>
+              <a:p>
+                <a:pPr marL="0" marR="0" indent="0" algn="ctr" defTabSz="914400" rtl="0" eaLnBrk="0" fontAlgn="base" latinLnBrk="0" hangingPunct="0">
+                  <a:lnSpc>
+                    <a:spcPct val="100000"/>
+                  </a:lnSpc>
+                  <a:spcBef>
+                    <a:spcPct val="0"/>
+                  </a:spcBef>
+                  <a:spcAft>
+                    <a:spcPct val="0"/>
+                  </a:spcAft>
+                  <a:buClrTx/>
+                  <a:buSzTx/>
+                  <a:buFontTx/>
+                  <a:buNone/>
+                  <a:tabLst/>
+                </a:pPr>
+                <a:r>
+                  <a:rPr kumimoji="0" lang="en-US" sz="1600" b="0" i="0" u="none" strike="noStrike" cap="none" normalizeH="0" baseline="0" dirty="0">
+                    <a:ln>
+                      <a:noFill/>
+                    </a:ln>
+                    <a:solidFill>
+                      <a:srgbClr val="000000"/>
+                    </a:solidFill>
+                    <a:effectLst/>
+                    <a:latin typeface="Arial" charset="0"/>
+                    <a:ea typeface="ＭＳ Ｐゴシック" charset="0"/>
+                  </a:rPr>
+                  <a:t>Shape</a:t>
+                </a:r>
+              </a:p>
+              <a:p>
+                <a:pPr marL="0" marR="0" indent="0" algn="ctr" defTabSz="914400" rtl="0" eaLnBrk="0" fontAlgn="base" latinLnBrk="0" hangingPunct="0">
+                  <a:lnSpc>
+                    <a:spcPct val="100000"/>
+                  </a:lnSpc>
+                  <a:spcBef>
+                    <a:spcPct val="0"/>
+                  </a:spcBef>
+                  <a:spcAft>
+                    <a:spcPct val="0"/>
+                  </a:spcAft>
+                  <a:buClrTx/>
+                  <a:buSzTx/>
+                  <a:buFontTx/>
+                  <a:buNone/>
+                  <a:tabLst/>
+                </a:pPr>
+                <a:endParaRPr lang="en-US" sz="1600" dirty="0">
+                  <a:solidFill>
+                    <a:srgbClr val="000000"/>
+                  </a:solidFill>
+                  <a:latin typeface="Arial" charset="0"/>
+                  <a:ea typeface="ＭＳ Ｐゴシック" charset="0"/>
+                </a:endParaRPr>
+              </a:p>
+              <a:p>
+                <a:pPr marL="0" marR="0" indent="0" algn="ctr" defTabSz="914400" rtl="0" eaLnBrk="0" fontAlgn="base" latinLnBrk="0" hangingPunct="0">
+                  <a:lnSpc>
+                    <a:spcPct val="100000"/>
+                  </a:lnSpc>
+                  <a:spcBef>
+                    <a:spcPct val="0"/>
+                  </a:spcBef>
+                  <a:spcAft>
+                    <a:spcPct val="0"/>
+                  </a:spcAft>
+                  <a:buClrTx/>
+                  <a:buSzTx/>
+                  <a:buFontTx/>
+                  <a:buNone/>
+                  <a:tabLst/>
+                </a:pPr>
+                <a:r>
+                  <a:rPr kumimoji="0" lang="en-US" sz="1600" b="0" i="0" u="none" strike="noStrike" cap="none" normalizeH="0" baseline="0" dirty="0">
+                    <a:ln>
+                      <a:noFill/>
+                    </a:ln>
+                    <a:solidFill>
+                      <a:srgbClr val="000000"/>
+                    </a:solidFill>
+                    <a:effectLst/>
+                    <a:latin typeface="Arial" charset="0"/>
+                    <a:ea typeface="ＭＳ Ｐゴシック" charset="0"/>
+                  </a:rPr>
+                  <a:t>draw()</a:t>
+                </a:r>
+              </a:p>
+            </p:txBody>
+          </p:sp>
+          <p:sp>
+            <p:nvSpPr>
+              <p:cNvPr id="11" name="Rounded Rectangle 10">
+                <a:extLst>
+                  <a:ext uri="{FF2B5EF4-FFF2-40B4-BE49-F238E27FC236}">
+                    <a16:creationId xmlns:a16="http://schemas.microsoft.com/office/drawing/2014/main" id="{B31F4531-E8BF-D242-A7BD-CB6257FF801B}"/>
+                  </a:ext>
+                </a:extLst>
+              </p:cNvPr>
+              <p:cNvSpPr/>
+              <p:nvPr/>
+            </p:nvSpPr>
+            <p:spPr bwMode="auto">
+              <a:xfrm>
+                <a:off x="2743200" y="3657600"/>
+                <a:ext cx="1143000" cy="914400"/>
+              </a:xfrm>
+              <a:prstGeom prst="roundRect">
+                <a:avLst/>
+              </a:prstGeom>
+              <a:solidFill>
+                <a:schemeClr val="accent1"/>
+              </a:solidFill>
+              <a:ln w="9525" cap="flat" cmpd="sng" algn="ctr">
+                <a:solidFill>
+                  <a:schemeClr val="tx1"/>
+                </a:solidFill>
+                <a:prstDash val="solid"/>
+                <a:round/>
+                <a:headEnd type="none" w="med" len="med"/>
+                <a:tailEnd type="none" w="med" len="med"/>
+              </a:ln>
+              <a:effectLst/>
+              <a:extLst>
+                <a:ext uri="{AF507438-7753-43e0-B8FC-AC1667EBCBE1}">
+                  <a14:hiddenEffects xmlns="" xmlns:a14="http://schemas.microsoft.com/office/drawing/2010/main">
+                    <a:effectLst>
+                      <a:outerShdw blurRad="63500" dist="38099" dir="2700000" algn="ctr" rotWithShape="0">
+                        <a:schemeClr val="bg2">
+                          <a:alpha val="74998"/>
+                        </a:schemeClr>
+                      </a:outerShdw>
+                    </a:effectLst>
+                  </a14:hiddenEffects>
+                </a:ext>
+              </a:extLst>
+            </p:spPr>
+            <p:txBody>
+              <a:bodyPr vert="horz" wrap="square" lIns="91440" tIns="45720" rIns="91440" bIns="45720" numCol="1" rtlCol="0" anchor="t" anchorCtr="0" compatLnSpc="1">
+                <a:prstTxWarp prst="textNoShape">
+                  <a:avLst/>
+                </a:prstTxWarp>
+              </a:bodyPr>
+              <a:lstStyle/>
+              <a:p>
+                <a:pPr marL="0" marR="0" indent="0" algn="ctr" defTabSz="914400" rtl="0" eaLnBrk="0" fontAlgn="base" latinLnBrk="0" hangingPunct="0">
+                  <a:lnSpc>
+                    <a:spcPct val="100000"/>
+                  </a:lnSpc>
+                  <a:spcBef>
+                    <a:spcPct val="0"/>
+                  </a:spcBef>
+                  <a:spcAft>
+                    <a:spcPct val="0"/>
+                  </a:spcAft>
+                  <a:buClrTx/>
+                  <a:buSzTx/>
+                  <a:buFontTx/>
+                  <a:buNone/>
+                  <a:tabLst/>
+                </a:pPr>
+                <a:r>
+                  <a:rPr kumimoji="0" lang="en-US" sz="1600" b="0" i="0" u="none" strike="noStrike" cap="none" normalizeH="0" baseline="0" dirty="0">
+                    <a:ln>
+                      <a:noFill/>
+                    </a:ln>
+                    <a:solidFill>
+                      <a:srgbClr val="000000"/>
+                    </a:solidFill>
+                    <a:effectLst/>
+                    <a:latin typeface="Arial" charset="0"/>
+                    <a:ea typeface="ＭＳ Ｐゴシック" charset="0"/>
+                  </a:rPr>
+                  <a:t>Circle</a:t>
+                </a:r>
+              </a:p>
+              <a:p>
+                <a:pPr marL="0" marR="0" indent="0" algn="ctr" defTabSz="914400" rtl="0" eaLnBrk="0" fontAlgn="base" latinLnBrk="0" hangingPunct="0">
+                  <a:lnSpc>
+                    <a:spcPct val="100000"/>
+                  </a:lnSpc>
+                  <a:spcBef>
+                    <a:spcPct val="0"/>
+                  </a:spcBef>
+                  <a:spcAft>
+                    <a:spcPct val="0"/>
+                  </a:spcAft>
+                  <a:buClrTx/>
+                  <a:buSzTx/>
+                  <a:buFontTx/>
+                  <a:buNone/>
+                  <a:tabLst/>
+                </a:pPr>
+                <a:r>
+                  <a:rPr lang="en-US" sz="1400" dirty="0">
+                    <a:solidFill>
+                      <a:srgbClr val="000000"/>
+                    </a:solidFill>
+                    <a:latin typeface="Arial" charset="0"/>
+                    <a:ea typeface="ＭＳ Ｐゴシック" charset="0"/>
+                  </a:rPr>
+                  <a:t>“Circle1”</a:t>
+                </a:r>
+              </a:p>
+              <a:p>
+                <a:pPr marL="0" marR="0" indent="0" algn="ctr" defTabSz="914400" rtl="0" eaLnBrk="0" fontAlgn="base" latinLnBrk="0" hangingPunct="0">
+                  <a:lnSpc>
+                    <a:spcPct val="100000"/>
+                  </a:lnSpc>
+                  <a:spcBef>
+                    <a:spcPct val="0"/>
+                  </a:spcBef>
+                  <a:spcAft>
+                    <a:spcPct val="0"/>
+                  </a:spcAft>
+                  <a:buClrTx/>
+                  <a:buSzTx/>
+                  <a:buFontTx/>
+                  <a:buNone/>
+                  <a:tabLst/>
+                </a:pPr>
+                <a:r>
+                  <a:rPr kumimoji="0" lang="en-US" sz="1600" b="0" i="0" u="none" strike="noStrike" cap="none" normalizeH="0" baseline="0" dirty="0">
+                    <a:ln>
+                      <a:noFill/>
+                    </a:ln>
+                    <a:solidFill>
+                      <a:srgbClr val="000000"/>
+                    </a:solidFill>
+                    <a:effectLst/>
+                    <a:latin typeface="Arial" charset="0"/>
+                    <a:ea typeface="ＭＳ Ｐゴシック" charset="0"/>
+                  </a:rPr>
+                  <a:t>draw()</a:t>
+                </a:r>
+              </a:p>
+            </p:txBody>
+          </p:sp>
+          <p:cxnSp>
+            <p:nvCxnSpPr>
+              <p:cNvPr id="13" name="Straight Arrow Connector 12">
+                <a:extLst>
+                  <a:ext uri="{FF2B5EF4-FFF2-40B4-BE49-F238E27FC236}">
+                    <a16:creationId xmlns:a16="http://schemas.microsoft.com/office/drawing/2014/main" id="{640320E5-6CD0-8546-AF3A-CDCF9E5FBF99}"/>
+                  </a:ext>
+                </a:extLst>
+              </p:cNvPr>
+              <p:cNvCxnSpPr>
+                <a:cxnSpLocks/>
+              </p:cNvCxnSpPr>
+              <p:nvPr/>
+            </p:nvCxnSpPr>
+            <p:spPr bwMode="auto">
+              <a:xfrm flipV="1">
+                <a:off x="3314700" y="3200400"/>
+                <a:ext cx="0" cy="457200"/>
+              </a:xfrm>
+              <a:prstGeom prst="straightConnector1">
+                <a:avLst/>
+              </a:prstGeom>
+              <a:solidFill>
+                <a:schemeClr val="accent1"/>
+              </a:solidFill>
+              <a:ln w="38100" cap="flat" cmpd="sng" algn="ctr">
+                <a:solidFill>
+                  <a:schemeClr val="tx1"/>
+                </a:solidFill>
+                <a:prstDash val="solid"/>
+                <a:round/>
+                <a:headEnd type="none" w="med" len="med"/>
+                <a:tailEnd type="triangle"/>
+              </a:ln>
+              <a:effectLst/>
+              <a:extLst>
+                <a:ext uri="{AF507438-7753-43e0-B8FC-AC1667EBCBE1}">
+                  <a14:hiddenEffects xmlns="" xmlns:a14="http://schemas.microsoft.com/office/drawing/2010/main">
+                    <a:effectLst>
+                      <a:outerShdw blurRad="63500" dist="38099" dir="2700000" algn="ctr" rotWithShape="0">
+                        <a:schemeClr val="bg2">
+                          <a:alpha val="74998"/>
+                        </a:schemeClr>
+                      </a:outerShdw>
+                    </a:effectLst>
+                  </a14:hiddenEffects>
+                </a:ext>
+              </a:extLst>
+            </p:spPr>
+          </p:cxnSp>
+        </p:grpSp>
+        <p:grpSp>
+          <p:nvGrpSpPr>
+            <p:cNvPr id="15" name="Group 14">
+              <a:extLst>
+                <a:ext uri="{FF2B5EF4-FFF2-40B4-BE49-F238E27FC236}">
+                  <a16:creationId xmlns:a16="http://schemas.microsoft.com/office/drawing/2014/main" id="{AB330694-30AB-2345-9FA4-257619D4E073}"/>
+                </a:ext>
+              </a:extLst>
+            </p:cNvPr>
+            <p:cNvGrpSpPr/>
+            <p:nvPr/>
+          </p:nvGrpSpPr>
+          <p:grpSpPr>
+            <a:xfrm>
+              <a:off x="4114800" y="2286000"/>
+              <a:ext cx="1143000" cy="2286000"/>
+              <a:chOff x="2743200" y="2286000"/>
+              <a:chExt cx="1143000" cy="2286000"/>
+            </a:xfrm>
+          </p:grpSpPr>
+          <p:sp>
+            <p:nvSpPr>
+              <p:cNvPr id="16" name="Rounded Rectangle 15">
+                <a:extLst>
+                  <a:ext uri="{FF2B5EF4-FFF2-40B4-BE49-F238E27FC236}">
+                    <a16:creationId xmlns:a16="http://schemas.microsoft.com/office/drawing/2014/main" id="{012B2DAC-18CD-8542-9CA4-0AFFFC526108}"/>
+                  </a:ext>
+                </a:extLst>
+              </p:cNvPr>
+              <p:cNvSpPr/>
+              <p:nvPr/>
+            </p:nvSpPr>
+            <p:spPr bwMode="auto">
+              <a:xfrm>
+                <a:off x="2743200" y="2286000"/>
+                <a:ext cx="1143000" cy="914400"/>
+              </a:xfrm>
+              <a:prstGeom prst="roundRect">
+                <a:avLst/>
+              </a:prstGeom>
+              <a:solidFill>
+                <a:schemeClr val="accent1"/>
+              </a:solidFill>
+              <a:ln w="9525" cap="flat" cmpd="sng" algn="ctr">
+                <a:solidFill>
+                  <a:schemeClr val="tx1"/>
+                </a:solidFill>
+                <a:prstDash val="solid"/>
+                <a:round/>
+                <a:headEnd type="none" w="med" len="med"/>
+                <a:tailEnd type="none" w="med" len="med"/>
+              </a:ln>
+              <a:effectLst/>
+              <a:extLst>
+                <a:ext uri="{AF507438-7753-43e0-B8FC-AC1667EBCBE1}">
+                  <a14:hiddenEffects xmlns="" xmlns:a14="http://schemas.microsoft.com/office/drawing/2010/main">
+                    <a:effectLst>
+                      <a:outerShdw blurRad="63500" dist="38099" dir="2700000" algn="ctr" rotWithShape="0">
+                        <a:schemeClr val="bg2">
+                          <a:alpha val="74998"/>
+                        </a:schemeClr>
+                      </a:outerShdw>
+                    </a:effectLst>
+                  </a14:hiddenEffects>
+                </a:ext>
+              </a:extLst>
+            </p:spPr>
+            <p:txBody>
+              <a:bodyPr vert="horz" wrap="square" lIns="91440" tIns="45720" rIns="91440" bIns="45720" numCol="1" rtlCol="0" anchor="t" anchorCtr="0" compatLnSpc="1">
+                <a:prstTxWarp prst="textNoShape">
+                  <a:avLst/>
+                </a:prstTxWarp>
+              </a:bodyPr>
+              <a:lstStyle/>
+              <a:p>
+                <a:pPr marL="0" marR="0" indent="0" algn="ctr" defTabSz="914400" rtl="0" eaLnBrk="0" fontAlgn="base" latinLnBrk="0" hangingPunct="0">
+                  <a:lnSpc>
+                    <a:spcPct val="100000"/>
+                  </a:lnSpc>
+                  <a:spcBef>
+                    <a:spcPct val="0"/>
+                  </a:spcBef>
+                  <a:spcAft>
+                    <a:spcPct val="0"/>
+                  </a:spcAft>
+                  <a:buClrTx/>
+                  <a:buSzTx/>
+                  <a:buFontTx/>
+                  <a:buNone/>
+                  <a:tabLst/>
+                </a:pPr>
+                <a:r>
+                  <a:rPr kumimoji="0" lang="en-US" sz="1600" b="0" i="0" u="none" strike="noStrike" cap="none" normalizeH="0" baseline="0" dirty="0">
+                    <a:ln>
+                      <a:noFill/>
+                    </a:ln>
+                    <a:solidFill>
+                      <a:srgbClr val="000000"/>
+                    </a:solidFill>
+                    <a:effectLst/>
+                    <a:latin typeface="Arial" charset="0"/>
+                    <a:ea typeface="ＭＳ Ｐゴシック" charset="0"/>
+                  </a:rPr>
+                  <a:t>Shape</a:t>
+                </a:r>
+              </a:p>
+              <a:p>
+                <a:pPr marL="0" marR="0" indent="0" algn="ctr" defTabSz="914400" rtl="0" eaLnBrk="0" fontAlgn="base" latinLnBrk="0" hangingPunct="0">
+                  <a:lnSpc>
+                    <a:spcPct val="100000"/>
+                  </a:lnSpc>
+                  <a:spcBef>
+                    <a:spcPct val="0"/>
+                  </a:spcBef>
+                  <a:spcAft>
+                    <a:spcPct val="0"/>
+                  </a:spcAft>
+                  <a:buClrTx/>
+                  <a:buSzTx/>
+                  <a:buFontTx/>
+                  <a:buNone/>
+                  <a:tabLst/>
+                </a:pPr>
+                <a:endParaRPr lang="en-US" sz="1600" dirty="0">
+                  <a:solidFill>
+                    <a:srgbClr val="000000"/>
+                  </a:solidFill>
+                  <a:latin typeface="Arial" charset="0"/>
+                  <a:ea typeface="ＭＳ Ｐゴシック" charset="0"/>
+                </a:endParaRPr>
+              </a:p>
+              <a:p>
+                <a:pPr marL="0" marR="0" indent="0" algn="ctr" defTabSz="914400" rtl="0" eaLnBrk="0" fontAlgn="base" latinLnBrk="0" hangingPunct="0">
+                  <a:lnSpc>
+                    <a:spcPct val="100000"/>
+                  </a:lnSpc>
+                  <a:spcBef>
+                    <a:spcPct val="0"/>
+                  </a:spcBef>
+                  <a:spcAft>
+                    <a:spcPct val="0"/>
+                  </a:spcAft>
+                  <a:buClrTx/>
+                  <a:buSzTx/>
+                  <a:buFontTx/>
+                  <a:buNone/>
+                  <a:tabLst/>
+                </a:pPr>
+                <a:r>
+                  <a:rPr kumimoji="0" lang="en-US" sz="1600" b="0" i="0" u="none" strike="noStrike" cap="none" normalizeH="0" baseline="0" dirty="0">
+                    <a:ln>
+                      <a:noFill/>
+                    </a:ln>
+                    <a:solidFill>
+                      <a:srgbClr val="000000"/>
+                    </a:solidFill>
+                    <a:effectLst/>
+                    <a:latin typeface="Arial" charset="0"/>
+                    <a:ea typeface="ＭＳ Ｐゴシック" charset="0"/>
+                  </a:rPr>
+                  <a:t>draw()</a:t>
+                </a:r>
+              </a:p>
+            </p:txBody>
+          </p:sp>
+          <p:sp>
+            <p:nvSpPr>
+              <p:cNvPr id="17" name="Rounded Rectangle 16">
+                <a:extLst>
+                  <a:ext uri="{FF2B5EF4-FFF2-40B4-BE49-F238E27FC236}">
+                    <a16:creationId xmlns:a16="http://schemas.microsoft.com/office/drawing/2014/main" id="{60270303-D291-1647-B655-FF9B1FB6D9EE}"/>
+                  </a:ext>
+                </a:extLst>
+              </p:cNvPr>
+              <p:cNvSpPr/>
+              <p:nvPr/>
+            </p:nvSpPr>
+            <p:spPr bwMode="auto">
+              <a:xfrm>
+                <a:off x="2743200" y="3657600"/>
+                <a:ext cx="1143000" cy="914400"/>
+              </a:xfrm>
+              <a:prstGeom prst="roundRect">
+                <a:avLst/>
+              </a:prstGeom>
+              <a:solidFill>
+                <a:schemeClr val="accent1"/>
+              </a:solidFill>
+              <a:ln w="9525" cap="flat" cmpd="sng" algn="ctr">
+                <a:solidFill>
+                  <a:schemeClr val="tx1"/>
+                </a:solidFill>
+                <a:prstDash val="solid"/>
+                <a:round/>
+                <a:headEnd type="none" w="med" len="med"/>
+                <a:tailEnd type="none" w="med" len="med"/>
+              </a:ln>
+              <a:effectLst/>
+              <a:extLst>
+                <a:ext uri="{AF507438-7753-43e0-B8FC-AC1667EBCBE1}">
+                  <a14:hiddenEffects xmlns="" xmlns:a14="http://schemas.microsoft.com/office/drawing/2010/main">
+                    <a:effectLst>
+                      <a:outerShdw blurRad="63500" dist="38099" dir="2700000" algn="ctr" rotWithShape="0">
+                        <a:schemeClr val="bg2">
+                          <a:alpha val="74998"/>
+                        </a:schemeClr>
+                      </a:outerShdw>
+                    </a:effectLst>
+                  </a14:hiddenEffects>
+                </a:ext>
+              </a:extLst>
+            </p:spPr>
+            <p:txBody>
+              <a:bodyPr vert="horz" wrap="square" lIns="91440" tIns="45720" rIns="91440" bIns="45720" numCol="1" rtlCol="0" anchor="t" anchorCtr="0" compatLnSpc="1">
+                <a:prstTxWarp prst="textNoShape">
+                  <a:avLst/>
+                </a:prstTxWarp>
+              </a:bodyPr>
+              <a:lstStyle/>
+              <a:p>
+                <a:pPr marL="0" marR="0" indent="0" algn="ctr" defTabSz="914400" rtl="0" eaLnBrk="0" fontAlgn="base" latinLnBrk="0" hangingPunct="0">
+                  <a:lnSpc>
+                    <a:spcPct val="100000"/>
+                  </a:lnSpc>
+                  <a:spcBef>
+                    <a:spcPct val="0"/>
+                  </a:spcBef>
+                  <a:spcAft>
+                    <a:spcPct val="0"/>
+                  </a:spcAft>
+                  <a:buClrTx/>
+                  <a:buSzTx/>
+                  <a:buFontTx/>
+                  <a:buNone/>
+                  <a:tabLst/>
+                </a:pPr>
+                <a:r>
+                  <a:rPr kumimoji="0" lang="en-US" sz="1600" b="0" i="0" u="none" strike="noStrike" cap="none" normalizeH="0" baseline="0" dirty="0">
+                    <a:ln>
+                      <a:noFill/>
+                    </a:ln>
+                    <a:solidFill>
+                      <a:srgbClr val="000000"/>
+                    </a:solidFill>
+                    <a:effectLst/>
+                    <a:latin typeface="Arial" charset="0"/>
+                    <a:ea typeface="ＭＳ Ｐゴシック" charset="0"/>
+                  </a:rPr>
+                  <a:t>Square</a:t>
+                </a:r>
+              </a:p>
+              <a:p>
+                <a:pPr marL="0" marR="0" indent="0" algn="ctr" defTabSz="914400" rtl="0" eaLnBrk="0" fontAlgn="base" latinLnBrk="0" hangingPunct="0">
+                  <a:lnSpc>
+                    <a:spcPct val="100000"/>
+                  </a:lnSpc>
+                  <a:spcBef>
+                    <a:spcPct val="0"/>
+                  </a:spcBef>
+                  <a:spcAft>
+                    <a:spcPct val="0"/>
+                  </a:spcAft>
+                  <a:buClrTx/>
+                  <a:buSzTx/>
+                  <a:buFontTx/>
+                  <a:buNone/>
+                  <a:tabLst/>
+                </a:pPr>
+                <a:r>
+                  <a:rPr lang="en-US" sz="1600" dirty="0">
+                    <a:solidFill>
+                      <a:srgbClr val="000000"/>
+                    </a:solidFill>
+                    <a:latin typeface="Arial" charset="0"/>
+                    <a:ea typeface="ＭＳ Ｐゴシック" charset="0"/>
+                  </a:rPr>
+                  <a:t>“</a:t>
+                </a:r>
+                <a:r>
+                  <a:rPr lang="en-US" sz="1400" dirty="0">
+                    <a:solidFill>
+                      <a:srgbClr val="000000"/>
+                    </a:solidFill>
+                    <a:latin typeface="Arial" charset="0"/>
+                    <a:ea typeface="ＭＳ Ｐゴシック" charset="0"/>
+                  </a:rPr>
+                  <a:t>Square1</a:t>
+                </a:r>
+                <a:r>
+                  <a:rPr lang="en-US" sz="1600" dirty="0">
+                    <a:solidFill>
+                      <a:srgbClr val="000000"/>
+                    </a:solidFill>
+                    <a:latin typeface="Arial" charset="0"/>
+                    <a:ea typeface="ＭＳ Ｐゴシック" charset="0"/>
+                  </a:rPr>
+                  <a:t>”</a:t>
+                </a:r>
+              </a:p>
+              <a:p>
+                <a:pPr marL="0" marR="0" indent="0" algn="ctr" defTabSz="914400" rtl="0" eaLnBrk="0" fontAlgn="base" latinLnBrk="0" hangingPunct="0">
+                  <a:lnSpc>
+                    <a:spcPct val="100000"/>
+                  </a:lnSpc>
+                  <a:spcBef>
+                    <a:spcPct val="0"/>
+                  </a:spcBef>
+                  <a:spcAft>
+                    <a:spcPct val="0"/>
+                  </a:spcAft>
+                  <a:buClrTx/>
+                  <a:buSzTx/>
+                  <a:buFontTx/>
+                  <a:buNone/>
+                  <a:tabLst/>
+                </a:pPr>
+                <a:r>
+                  <a:rPr kumimoji="0" lang="en-US" sz="1600" b="0" i="0" u="none" strike="noStrike" cap="none" normalizeH="0" baseline="0" dirty="0">
+                    <a:ln>
+                      <a:noFill/>
+                    </a:ln>
+                    <a:solidFill>
+                      <a:srgbClr val="000000"/>
+                    </a:solidFill>
+                    <a:effectLst/>
+                    <a:latin typeface="Arial" charset="0"/>
+                    <a:ea typeface="ＭＳ Ｐゴシック" charset="0"/>
+                  </a:rPr>
+                  <a:t>draw()</a:t>
+                </a:r>
+              </a:p>
+            </p:txBody>
+          </p:sp>
+          <p:cxnSp>
+            <p:nvCxnSpPr>
+              <p:cNvPr id="18" name="Straight Arrow Connector 17">
+                <a:extLst>
+                  <a:ext uri="{FF2B5EF4-FFF2-40B4-BE49-F238E27FC236}">
+                    <a16:creationId xmlns:a16="http://schemas.microsoft.com/office/drawing/2014/main" id="{3F67F31D-507D-CA44-BDAD-396C516728F5}"/>
+                  </a:ext>
+                </a:extLst>
+              </p:cNvPr>
+              <p:cNvCxnSpPr>
+                <a:cxnSpLocks/>
+              </p:cNvCxnSpPr>
+              <p:nvPr/>
+            </p:nvCxnSpPr>
+            <p:spPr bwMode="auto">
+              <a:xfrm flipV="1">
+                <a:off x="3314700" y="3200400"/>
+                <a:ext cx="0" cy="457200"/>
+              </a:xfrm>
+              <a:prstGeom prst="straightConnector1">
+                <a:avLst/>
+              </a:prstGeom>
+              <a:solidFill>
+                <a:schemeClr val="accent1"/>
+              </a:solidFill>
+              <a:ln w="38100" cap="flat" cmpd="sng" algn="ctr">
+                <a:solidFill>
+                  <a:schemeClr val="tx1"/>
+                </a:solidFill>
+                <a:prstDash val="solid"/>
+                <a:round/>
+                <a:headEnd type="none" w="med" len="med"/>
+                <a:tailEnd type="triangle"/>
+              </a:ln>
+              <a:effectLst/>
+              <a:extLst>
+                <a:ext uri="{AF507438-7753-43e0-B8FC-AC1667EBCBE1}">
+                  <a14:hiddenEffects xmlns="" xmlns:a14="http://schemas.microsoft.com/office/drawing/2010/main">
+                    <a:effectLst>
+                      <a:outerShdw blurRad="63500" dist="38099" dir="2700000" algn="ctr" rotWithShape="0">
+                        <a:schemeClr val="bg2">
+                          <a:alpha val="74998"/>
+                        </a:schemeClr>
+                      </a:outerShdw>
+                    </a:effectLst>
+                  </a14:hiddenEffects>
+                </a:ext>
+              </a:extLst>
+            </p:spPr>
+          </p:cxnSp>
+        </p:grpSp>
+        <p:grpSp>
+          <p:nvGrpSpPr>
+            <p:cNvPr id="19" name="Group 18">
+              <a:extLst>
+                <a:ext uri="{FF2B5EF4-FFF2-40B4-BE49-F238E27FC236}">
+                  <a16:creationId xmlns:a16="http://schemas.microsoft.com/office/drawing/2014/main" id="{B3D9879C-D945-EA41-A9D9-95E593C1FF53}"/>
+                </a:ext>
+              </a:extLst>
+            </p:cNvPr>
+            <p:cNvGrpSpPr/>
+            <p:nvPr/>
+          </p:nvGrpSpPr>
+          <p:grpSpPr>
+            <a:xfrm>
+              <a:off x="5715000" y="2286000"/>
+              <a:ext cx="1143000" cy="2286000"/>
+              <a:chOff x="2743200" y="2286000"/>
+              <a:chExt cx="1143000" cy="2286000"/>
+            </a:xfrm>
+          </p:grpSpPr>
+          <p:sp>
+            <p:nvSpPr>
+              <p:cNvPr id="20" name="Rounded Rectangle 19">
+                <a:extLst>
+                  <a:ext uri="{FF2B5EF4-FFF2-40B4-BE49-F238E27FC236}">
+                    <a16:creationId xmlns:a16="http://schemas.microsoft.com/office/drawing/2014/main" id="{20C815D5-F09C-6A42-ACD9-A9F0199D27C4}"/>
+                  </a:ext>
+                </a:extLst>
+              </p:cNvPr>
+              <p:cNvSpPr/>
+              <p:nvPr/>
+            </p:nvSpPr>
+            <p:spPr bwMode="auto">
+              <a:xfrm>
+                <a:off x="2743200" y="2286000"/>
+                <a:ext cx="1143000" cy="914400"/>
+              </a:xfrm>
+              <a:prstGeom prst="roundRect">
+                <a:avLst/>
+              </a:prstGeom>
+              <a:solidFill>
+                <a:schemeClr val="accent1"/>
+              </a:solidFill>
+              <a:ln w="9525" cap="flat" cmpd="sng" algn="ctr">
+                <a:solidFill>
+                  <a:schemeClr val="tx1"/>
+                </a:solidFill>
+                <a:prstDash val="solid"/>
+                <a:round/>
+                <a:headEnd type="none" w="med" len="med"/>
+                <a:tailEnd type="none" w="med" len="med"/>
+              </a:ln>
+              <a:effectLst/>
+              <a:extLst>
+                <a:ext uri="{AF507438-7753-43e0-B8FC-AC1667EBCBE1}">
+                  <a14:hiddenEffects xmlns="" xmlns:a14="http://schemas.microsoft.com/office/drawing/2010/main">
+                    <a:effectLst>
+                      <a:outerShdw blurRad="63500" dist="38099" dir="2700000" algn="ctr" rotWithShape="0">
+                        <a:schemeClr val="bg2">
+                          <a:alpha val="74998"/>
+                        </a:schemeClr>
+                      </a:outerShdw>
+                    </a:effectLst>
+                  </a14:hiddenEffects>
+                </a:ext>
+              </a:extLst>
+            </p:spPr>
+            <p:txBody>
+              <a:bodyPr vert="horz" wrap="square" lIns="91440" tIns="45720" rIns="91440" bIns="45720" numCol="1" rtlCol="0" anchor="t" anchorCtr="0" compatLnSpc="1">
+                <a:prstTxWarp prst="textNoShape">
+                  <a:avLst/>
+                </a:prstTxWarp>
+              </a:bodyPr>
+              <a:lstStyle/>
+              <a:p>
+                <a:pPr marL="0" marR="0" indent="0" algn="ctr" defTabSz="914400" rtl="0" eaLnBrk="0" fontAlgn="base" latinLnBrk="0" hangingPunct="0">
+                  <a:lnSpc>
+                    <a:spcPct val="100000"/>
+                  </a:lnSpc>
+                  <a:spcBef>
+                    <a:spcPct val="0"/>
+                  </a:spcBef>
+                  <a:spcAft>
+                    <a:spcPct val="0"/>
+                  </a:spcAft>
+                  <a:buClrTx/>
+                  <a:buSzTx/>
+                  <a:buFontTx/>
+                  <a:buNone/>
+                  <a:tabLst/>
+                </a:pPr>
+                <a:r>
+                  <a:rPr kumimoji="0" lang="en-US" sz="1600" b="0" i="0" u="none" strike="noStrike" cap="none" normalizeH="0" baseline="0" dirty="0">
+                    <a:ln>
+                      <a:noFill/>
+                    </a:ln>
+                    <a:solidFill>
+                      <a:srgbClr val="000000"/>
+                    </a:solidFill>
+                    <a:effectLst/>
+                    <a:latin typeface="Arial" charset="0"/>
+                    <a:ea typeface="ＭＳ Ｐゴシック" charset="0"/>
+                  </a:rPr>
+                  <a:t>Shape</a:t>
+                </a:r>
+              </a:p>
+              <a:p>
+                <a:pPr marL="0" marR="0" indent="0" algn="ctr" defTabSz="914400" rtl="0" eaLnBrk="0" fontAlgn="base" latinLnBrk="0" hangingPunct="0">
+                  <a:lnSpc>
+                    <a:spcPct val="100000"/>
+                  </a:lnSpc>
+                  <a:spcBef>
+                    <a:spcPct val="0"/>
+                  </a:spcBef>
+                  <a:spcAft>
+                    <a:spcPct val="0"/>
+                  </a:spcAft>
+                  <a:buClrTx/>
+                  <a:buSzTx/>
+                  <a:buFontTx/>
+                  <a:buNone/>
+                  <a:tabLst/>
+                </a:pPr>
+                <a:endParaRPr lang="en-US" sz="1600" dirty="0">
+                  <a:solidFill>
+                    <a:srgbClr val="000000"/>
+                  </a:solidFill>
+                  <a:latin typeface="Arial" charset="0"/>
+                  <a:ea typeface="ＭＳ Ｐゴシック" charset="0"/>
+                </a:endParaRPr>
+              </a:p>
+              <a:p>
+                <a:pPr marL="0" marR="0" indent="0" algn="ctr" defTabSz="914400" rtl="0" eaLnBrk="0" fontAlgn="base" latinLnBrk="0" hangingPunct="0">
+                  <a:lnSpc>
+                    <a:spcPct val="100000"/>
+                  </a:lnSpc>
+                  <a:spcBef>
+                    <a:spcPct val="0"/>
+                  </a:spcBef>
+                  <a:spcAft>
+                    <a:spcPct val="0"/>
+                  </a:spcAft>
+                  <a:buClrTx/>
+                  <a:buSzTx/>
+                  <a:buFontTx/>
+                  <a:buNone/>
+                  <a:tabLst/>
+                </a:pPr>
+                <a:r>
+                  <a:rPr kumimoji="0" lang="en-US" sz="1600" b="0" i="0" u="none" strike="noStrike" cap="none" normalizeH="0" baseline="0" dirty="0">
+                    <a:ln>
+                      <a:noFill/>
+                    </a:ln>
+                    <a:solidFill>
+                      <a:srgbClr val="000000"/>
+                    </a:solidFill>
+                    <a:effectLst/>
+                    <a:latin typeface="Arial" charset="0"/>
+                    <a:ea typeface="ＭＳ Ｐゴシック" charset="0"/>
+                  </a:rPr>
+                  <a:t>draw()</a:t>
+                </a:r>
+              </a:p>
+            </p:txBody>
+          </p:sp>
+          <p:sp>
+            <p:nvSpPr>
+              <p:cNvPr id="21" name="Rounded Rectangle 20">
+                <a:extLst>
+                  <a:ext uri="{FF2B5EF4-FFF2-40B4-BE49-F238E27FC236}">
+                    <a16:creationId xmlns:a16="http://schemas.microsoft.com/office/drawing/2014/main" id="{B3E1C3A8-3AAD-D849-AF76-F19D17CE7A4D}"/>
+                  </a:ext>
+                </a:extLst>
+              </p:cNvPr>
+              <p:cNvSpPr/>
+              <p:nvPr/>
+            </p:nvSpPr>
+            <p:spPr bwMode="auto">
+              <a:xfrm>
+                <a:off x="2743200" y="3657600"/>
+                <a:ext cx="1143000" cy="914400"/>
+              </a:xfrm>
+              <a:prstGeom prst="roundRect">
+                <a:avLst/>
+              </a:prstGeom>
+              <a:solidFill>
+                <a:schemeClr val="accent1"/>
+              </a:solidFill>
+              <a:ln w="9525" cap="flat" cmpd="sng" algn="ctr">
+                <a:solidFill>
+                  <a:schemeClr val="tx1"/>
+                </a:solidFill>
+                <a:prstDash val="solid"/>
+                <a:round/>
+                <a:headEnd type="none" w="med" len="med"/>
+                <a:tailEnd type="none" w="med" len="med"/>
+              </a:ln>
+              <a:effectLst/>
+              <a:extLst>
+                <a:ext uri="{AF507438-7753-43e0-B8FC-AC1667EBCBE1}">
+                  <a14:hiddenEffects xmlns="" xmlns:a14="http://schemas.microsoft.com/office/drawing/2010/main">
+                    <a:effectLst>
+                      <a:outerShdw blurRad="63500" dist="38099" dir="2700000" algn="ctr" rotWithShape="0">
+                        <a:schemeClr val="bg2">
+                          <a:alpha val="74998"/>
+                        </a:schemeClr>
+                      </a:outerShdw>
+                    </a:effectLst>
+                  </a14:hiddenEffects>
+                </a:ext>
+              </a:extLst>
+            </p:spPr>
+            <p:txBody>
+              <a:bodyPr vert="horz" wrap="square" lIns="91440" tIns="45720" rIns="91440" bIns="45720" numCol="1" rtlCol="0" anchor="t" anchorCtr="0" compatLnSpc="1">
+                <a:prstTxWarp prst="textNoShape">
+                  <a:avLst/>
+                </a:prstTxWarp>
+              </a:bodyPr>
+              <a:lstStyle/>
+              <a:p>
+                <a:pPr marL="0" marR="0" indent="0" algn="ctr" defTabSz="914400" rtl="0" eaLnBrk="0" fontAlgn="base" latinLnBrk="0" hangingPunct="0">
+                  <a:lnSpc>
+                    <a:spcPct val="100000"/>
+                  </a:lnSpc>
+                  <a:spcBef>
+                    <a:spcPct val="0"/>
+                  </a:spcBef>
+                  <a:spcAft>
+                    <a:spcPct val="0"/>
+                  </a:spcAft>
+                  <a:buClrTx/>
+                  <a:buSzTx/>
+                  <a:buFontTx/>
+                  <a:buNone/>
+                  <a:tabLst/>
+                </a:pPr>
+                <a:r>
+                  <a:rPr kumimoji="0" lang="en-US" sz="1600" b="0" i="0" u="none" strike="noStrike" cap="none" normalizeH="0" baseline="0" dirty="0">
+                    <a:ln>
+                      <a:noFill/>
+                    </a:ln>
+                    <a:solidFill>
+                      <a:srgbClr val="000000"/>
+                    </a:solidFill>
+                    <a:effectLst/>
+                    <a:latin typeface="Arial" charset="0"/>
+                    <a:ea typeface="ＭＳ Ｐゴシック" charset="0"/>
+                  </a:rPr>
+                  <a:t>Circle</a:t>
+                </a:r>
+              </a:p>
+              <a:p>
+                <a:pPr marL="0" marR="0" indent="0" algn="ctr" defTabSz="914400" rtl="0" eaLnBrk="0" fontAlgn="base" latinLnBrk="0" hangingPunct="0">
+                  <a:lnSpc>
+                    <a:spcPct val="100000"/>
+                  </a:lnSpc>
+                  <a:spcBef>
+                    <a:spcPct val="0"/>
+                  </a:spcBef>
+                  <a:spcAft>
+                    <a:spcPct val="0"/>
+                  </a:spcAft>
+                  <a:buClrTx/>
+                  <a:buSzTx/>
+                  <a:buFontTx/>
+                  <a:buNone/>
+                  <a:tabLst/>
+                </a:pPr>
+                <a:r>
+                  <a:rPr lang="en-US" sz="1400" dirty="0">
+                    <a:solidFill>
+                      <a:srgbClr val="000000"/>
+                    </a:solidFill>
+                    <a:latin typeface="Arial" charset="0"/>
+                    <a:ea typeface="ＭＳ Ｐゴシック" charset="0"/>
+                  </a:rPr>
+                  <a:t>“Circle2”</a:t>
+                </a:r>
+              </a:p>
+              <a:p>
+                <a:pPr marL="0" marR="0" indent="0" algn="ctr" defTabSz="914400" rtl="0" eaLnBrk="0" fontAlgn="base" latinLnBrk="0" hangingPunct="0">
+                  <a:lnSpc>
+                    <a:spcPct val="100000"/>
+                  </a:lnSpc>
+                  <a:spcBef>
+                    <a:spcPct val="0"/>
+                  </a:spcBef>
+                  <a:spcAft>
+                    <a:spcPct val="0"/>
+                  </a:spcAft>
+                  <a:buClrTx/>
+                  <a:buSzTx/>
+                  <a:buFontTx/>
+                  <a:buNone/>
+                  <a:tabLst/>
+                </a:pPr>
+                <a:r>
+                  <a:rPr kumimoji="0" lang="en-US" sz="1600" b="0" i="0" u="none" strike="noStrike" cap="none" normalizeH="0" baseline="0" dirty="0">
+                    <a:ln>
+                      <a:noFill/>
+                    </a:ln>
+                    <a:solidFill>
+                      <a:srgbClr val="000000"/>
+                    </a:solidFill>
+                    <a:effectLst/>
+                    <a:latin typeface="Arial" charset="0"/>
+                    <a:ea typeface="ＭＳ Ｐゴシック" charset="0"/>
+                  </a:rPr>
+                  <a:t>draw()</a:t>
+                </a:r>
+              </a:p>
+            </p:txBody>
+          </p:sp>
+          <p:cxnSp>
+            <p:nvCxnSpPr>
+              <p:cNvPr id="22" name="Straight Arrow Connector 21">
+                <a:extLst>
+                  <a:ext uri="{FF2B5EF4-FFF2-40B4-BE49-F238E27FC236}">
+                    <a16:creationId xmlns:a16="http://schemas.microsoft.com/office/drawing/2014/main" id="{5119D445-4B6B-EB48-A9D3-D432693A9C9C}"/>
+                  </a:ext>
+                </a:extLst>
+              </p:cNvPr>
+              <p:cNvCxnSpPr>
+                <a:cxnSpLocks/>
+              </p:cNvCxnSpPr>
+              <p:nvPr/>
+            </p:nvCxnSpPr>
+            <p:spPr bwMode="auto">
+              <a:xfrm flipV="1">
+                <a:off x="3314700" y="3200400"/>
+                <a:ext cx="0" cy="457200"/>
+              </a:xfrm>
+              <a:prstGeom prst="straightConnector1">
+                <a:avLst/>
+              </a:prstGeom>
+              <a:solidFill>
+                <a:schemeClr val="accent1"/>
+              </a:solidFill>
+              <a:ln w="38100" cap="flat" cmpd="sng" algn="ctr">
+                <a:solidFill>
+                  <a:schemeClr val="tx1"/>
+                </a:solidFill>
+                <a:prstDash val="solid"/>
+                <a:round/>
+                <a:headEnd type="none" w="med" len="med"/>
+                <a:tailEnd type="triangle"/>
+              </a:ln>
+              <a:effectLst/>
+              <a:extLst>
+                <a:ext uri="{AF507438-7753-43e0-B8FC-AC1667EBCBE1}">
+                  <a14:hiddenEffects xmlns="" xmlns:a14="http://schemas.microsoft.com/office/drawing/2010/main">
+                    <a:effectLst>
+                      <a:outerShdw blurRad="63500" dist="38099" dir="2700000" algn="ctr" rotWithShape="0">
+                        <a:schemeClr val="bg2">
+                          <a:alpha val="74998"/>
+                        </a:schemeClr>
+                      </a:outerShdw>
+                    </a:effectLst>
+                  </a14:hiddenEffects>
+                </a:ext>
+              </a:extLst>
+            </p:spPr>
+          </p:cxnSp>
+        </p:grpSp>
+        <p:sp>
+          <p:nvSpPr>
+            <p:cNvPr id="30" name="Circular Arrow 29">
+              <a:extLst>
+                <a:ext uri="{FF2B5EF4-FFF2-40B4-BE49-F238E27FC236}">
+                  <a16:creationId xmlns:a16="http://schemas.microsoft.com/office/drawing/2014/main" id="{29F41FDA-F651-824E-A44A-76687AF38C58}"/>
+                </a:ext>
+              </a:extLst>
+            </p:cNvPr>
+            <p:cNvSpPr/>
+            <p:nvPr/>
+          </p:nvSpPr>
+          <p:spPr bwMode="auto">
+            <a:xfrm rot="16200000" flipH="1">
+              <a:off x="1943100" y="2968883"/>
+              <a:ext cx="1606034" cy="1377434"/>
+            </a:xfrm>
+            <a:prstGeom prst="circularArrow">
+              <a:avLst/>
+            </a:prstGeom>
+            <a:solidFill>
+              <a:srgbClr val="FF0000"/>
+            </a:solidFill>
+            <a:ln w="9525" cap="flat" cmpd="sng" algn="ctr">
+              <a:solidFill>
+                <a:schemeClr val="tx1"/>
+              </a:solidFill>
+              <a:prstDash val="solid"/>
+              <a:round/>
+              <a:headEnd type="none" w="med" len="med"/>
+              <a:tailEnd type="none" w="med" len="med"/>
+            </a:ln>
+            <a:effectLst/>
+            <a:extLst>
+              <a:ext uri="{AF507438-7753-43e0-B8FC-AC1667EBCBE1}">
+                <a14:hiddenEffects xmlns="" xmlns:a14="http://schemas.microsoft.com/office/drawing/2010/main">
+                  <a:effectLst>
+                    <a:outerShdw blurRad="63500" dist="38099" dir="2700000" algn="ctr" rotWithShape="0">
+                      <a:schemeClr val="bg2">
+                        <a:alpha val="74998"/>
+                      </a:schemeClr>
+                    </a:outerShdw>
+                  </a:effectLst>
+                </a14:hiddenEffects>
+              </a:ext>
+            </a:extLst>
+          </p:spPr>
+          <p:txBody>
+            <a:bodyPr vert="horz" wrap="square" lIns="91440" tIns="45720" rIns="91440" bIns="45720" numCol="1" rtlCol="0" anchor="t" anchorCtr="0" compatLnSpc="1">
+              <a:prstTxWarp prst="textNoShape">
+                <a:avLst/>
+              </a:prstTxWarp>
+            </a:bodyPr>
+            <a:lstStyle/>
+            <a:p>
+              <a:pPr marL="0" marR="0" indent="0" algn="l" defTabSz="914400" rtl="0" eaLnBrk="0" fontAlgn="base" latinLnBrk="0" hangingPunct="0">
+                <a:lnSpc>
+                  <a:spcPct val="100000"/>
+                </a:lnSpc>
+                <a:spcBef>
+                  <a:spcPct val="0"/>
+                </a:spcBef>
+                <a:spcAft>
+                  <a:spcPct val="0"/>
+                </a:spcAft>
+                <a:buClrTx/>
+                <a:buSzTx/>
+                <a:buFontTx/>
+                <a:buNone/>
+                <a:tabLst/>
+              </a:pPr>
+              <a:endParaRPr kumimoji="0" lang="en-US" sz="1600" b="0" i="0" u="none" strike="noStrike" cap="none" normalizeH="0" baseline="0" dirty="0">
+                <a:ln>
+                  <a:noFill/>
+                </a:ln>
+                <a:solidFill>
+                  <a:srgbClr val="000000"/>
+                </a:solidFill>
+                <a:effectLst/>
+                <a:latin typeface="Arial" charset="0"/>
+                <a:ea typeface="ＭＳ Ｐゴシック" charset="0"/>
+              </a:endParaRPr>
+            </a:p>
+          </p:txBody>
+        </p:sp>
+        <p:sp>
+          <p:nvSpPr>
+            <p:cNvPr id="35" name="Circular Arrow 34">
+              <a:extLst>
+                <a:ext uri="{FF2B5EF4-FFF2-40B4-BE49-F238E27FC236}">
+                  <a16:creationId xmlns:a16="http://schemas.microsoft.com/office/drawing/2014/main" id="{B6D6C6C4-0565-2A4E-8BC5-326261195DA8}"/>
+                </a:ext>
+              </a:extLst>
+            </p:cNvPr>
+            <p:cNvSpPr/>
+            <p:nvPr/>
+          </p:nvSpPr>
+          <p:spPr bwMode="auto">
+            <a:xfrm rot="16200000" flipH="1">
+              <a:off x="3537466" y="3004066"/>
+              <a:ext cx="1606034" cy="1377434"/>
+            </a:xfrm>
+            <a:prstGeom prst="circularArrow">
+              <a:avLst/>
+            </a:prstGeom>
+            <a:solidFill>
+              <a:srgbClr val="FF0000"/>
+            </a:solidFill>
+            <a:ln w="9525" cap="flat" cmpd="sng" algn="ctr">
+              <a:solidFill>
+                <a:schemeClr val="tx1"/>
+              </a:solidFill>
+              <a:prstDash val="solid"/>
+              <a:round/>
+              <a:headEnd type="none" w="med" len="med"/>
+              <a:tailEnd type="none" w="med" len="med"/>
+            </a:ln>
+            <a:effectLst/>
+            <a:extLst>
+              <a:ext uri="{AF507438-7753-43e0-B8FC-AC1667EBCBE1}">
+                <a14:hiddenEffects xmlns="" xmlns:a14="http://schemas.microsoft.com/office/drawing/2010/main">
+                  <a:effectLst>
+                    <a:outerShdw blurRad="63500" dist="38099" dir="2700000" algn="ctr" rotWithShape="0">
+                      <a:schemeClr val="bg2">
+                        <a:alpha val="74998"/>
+                      </a:schemeClr>
+                    </a:outerShdw>
+                  </a:effectLst>
+                </a14:hiddenEffects>
+              </a:ext>
+            </a:extLst>
+          </p:spPr>
+          <p:txBody>
+            <a:bodyPr vert="horz" wrap="square" lIns="91440" tIns="45720" rIns="91440" bIns="45720" numCol="1" rtlCol="0" anchor="t" anchorCtr="0" compatLnSpc="1">
+              <a:prstTxWarp prst="textNoShape">
+                <a:avLst/>
+              </a:prstTxWarp>
+            </a:bodyPr>
+            <a:lstStyle/>
+            <a:p>
+              <a:pPr marL="0" marR="0" indent="0" algn="l" defTabSz="914400" rtl="0" eaLnBrk="0" fontAlgn="base" latinLnBrk="0" hangingPunct="0">
+                <a:lnSpc>
+                  <a:spcPct val="100000"/>
+                </a:lnSpc>
+                <a:spcBef>
+                  <a:spcPct val="0"/>
+                </a:spcBef>
+                <a:spcAft>
+                  <a:spcPct val="0"/>
+                </a:spcAft>
+                <a:buClrTx/>
+                <a:buSzTx/>
+                <a:buFontTx/>
+                <a:buNone/>
+                <a:tabLst/>
+              </a:pPr>
+              <a:endParaRPr kumimoji="0" lang="en-US" sz="1600" b="0" i="0" u="none" strike="noStrike" cap="none" normalizeH="0" baseline="0" dirty="0">
+                <a:ln>
+                  <a:noFill/>
+                </a:ln>
+                <a:solidFill>
+                  <a:srgbClr val="000000"/>
+                </a:solidFill>
+                <a:effectLst/>
+                <a:latin typeface="Arial" charset="0"/>
+                <a:ea typeface="ＭＳ Ｐゴシック" charset="0"/>
+              </a:endParaRPr>
+            </a:p>
+          </p:txBody>
+        </p:sp>
+        <p:sp>
+          <p:nvSpPr>
+            <p:cNvPr id="36" name="Circular Arrow 35">
+              <a:extLst>
+                <a:ext uri="{FF2B5EF4-FFF2-40B4-BE49-F238E27FC236}">
+                  <a16:creationId xmlns:a16="http://schemas.microsoft.com/office/drawing/2014/main" id="{F773650B-05E4-094F-B936-B1D95CC134F6}"/>
+                </a:ext>
+              </a:extLst>
+            </p:cNvPr>
+            <p:cNvSpPr/>
+            <p:nvPr/>
+          </p:nvSpPr>
+          <p:spPr bwMode="auto">
+            <a:xfrm rot="16200000" flipH="1">
+              <a:off x="5137666" y="3004066"/>
+              <a:ext cx="1606034" cy="1377434"/>
+            </a:xfrm>
+            <a:prstGeom prst="circularArrow">
+              <a:avLst/>
+            </a:prstGeom>
+            <a:solidFill>
+              <a:srgbClr val="FF0000"/>
+            </a:solidFill>
+            <a:ln w="9525" cap="flat" cmpd="sng" algn="ctr">
+              <a:solidFill>
+                <a:schemeClr val="tx1"/>
+              </a:solidFill>
+              <a:prstDash val="solid"/>
+              <a:round/>
+              <a:headEnd type="none" w="med" len="med"/>
+              <a:tailEnd type="none" w="med" len="med"/>
+            </a:ln>
+            <a:effectLst/>
+            <a:extLst>
+              <a:ext uri="{AF507438-7753-43e0-B8FC-AC1667EBCBE1}">
+                <a14:hiddenEffects xmlns="" xmlns:a14="http://schemas.microsoft.com/office/drawing/2010/main">
+                  <a:effectLst>
+                    <a:outerShdw blurRad="63500" dist="38099" dir="2700000" algn="ctr" rotWithShape="0">
+                      <a:schemeClr val="bg2">
+                        <a:alpha val="74998"/>
+                      </a:schemeClr>
+                    </a:outerShdw>
+                  </a:effectLst>
+                </a14:hiddenEffects>
+              </a:ext>
+            </a:extLst>
+          </p:spPr>
+          <p:txBody>
+            <a:bodyPr vert="horz" wrap="square" lIns="91440" tIns="45720" rIns="91440" bIns="45720" numCol="1" rtlCol="0" anchor="t" anchorCtr="0" compatLnSpc="1">
+              <a:prstTxWarp prst="textNoShape">
+                <a:avLst/>
+              </a:prstTxWarp>
+            </a:bodyPr>
+            <a:lstStyle/>
+            <a:p>
+              <a:pPr marL="0" marR="0" indent="0" algn="l" defTabSz="914400" rtl="0" eaLnBrk="0" fontAlgn="base" latinLnBrk="0" hangingPunct="0">
+                <a:lnSpc>
+                  <a:spcPct val="100000"/>
+                </a:lnSpc>
+                <a:spcBef>
+                  <a:spcPct val="0"/>
+                </a:spcBef>
+                <a:spcAft>
+                  <a:spcPct val="0"/>
+                </a:spcAft>
+                <a:buClrTx/>
+                <a:buSzTx/>
+                <a:buFontTx/>
+                <a:buNone/>
+                <a:tabLst/>
+              </a:pPr>
+              <a:endParaRPr kumimoji="0" lang="en-US" sz="1600" b="0" i="0" u="none" strike="noStrike" cap="none" normalizeH="0" baseline="0" dirty="0">
+                <a:ln>
+                  <a:noFill/>
+                </a:ln>
+                <a:solidFill>
+                  <a:srgbClr val="000000"/>
+                </a:solidFill>
+                <a:effectLst/>
+                <a:latin typeface="Arial" charset="0"/>
+                <a:ea typeface="ＭＳ Ｐゴシック" charset="0"/>
+              </a:endParaRPr>
+            </a:p>
+          </p:txBody>
+        </p:sp>
+      </p:grpSp>
+      <p:pic>
+        <p:nvPicPr>
+          <p:cNvPr id="3" name="Picture 2">
+            <a:extLst>
+              <a:ext uri="{FF2B5EF4-FFF2-40B4-BE49-F238E27FC236}">
+                <a16:creationId xmlns:a16="http://schemas.microsoft.com/office/drawing/2014/main" id="{2F040171-875D-3740-ADBC-B77D47F3F7EB}"/>
+              </a:ext>
+            </a:extLst>
+          </p:cNvPr>
+          <p:cNvPicPr>
+            <a:picLocks noChangeAspect="1"/>
+          </p:cNvPicPr>
+          <p:nvPr/>
+        </p:nvPicPr>
+        <p:blipFill>
+          <a:blip r:embed="rId2"/>
+          <a:stretch>
+            <a:fillRect/>
+          </a:stretch>
+        </p:blipFill>
+        <p:spPr>
+          <a:xfrm>
+            <a:off x="5715000" y="300881"/>
+            <a:ext cx="3004065" cy="1192523"/>
+          </a:xfrm>
+          <a:prstGeom prst="rect">
+            <a:avLst/>
+          </a:prstGeom>
+          <a:ln>
+            <a:solidFill>
+              <a:schemeClr val="tx2"/>
+            </a:solidFill>
+          </a:ln>
+        </p:spPr>
+      </p:pic>
+    </p:spTree>
+    <p:extLst>
+      <p:ext uri="{BB962C8B-B14F-4D97-AF65-F5344CB8AC3E}">
+        <p14:creationId xmlns:p14="http://schemas.microsoft.com/office/powerpoint/2010/main" val="781387165"/>
+      </p:ext>
+    </p:extLst>
+  </p:cSld>
+  <p:clrMapOvr>
+    <a:masterClrMapping/>
+  </p:clrMapOvr>
+</p:sld>
+</file>
+
+<file path=ppt/slides/slide12.xml><?xml version="1.0" encoding="utf-8"?>
+<p:sld xmlns:a="http://schemas.openxmlformats.org/drawingml/2006/main" xmlns:r="http://schemas.openxmlformats.org/officeDocument/2006/relationships" xmlns:p="http://schemas.openxmlformats.org/presentationml/2006/main">
+  <p:cSld>
+    <p:spTree>
+      <p:nvGrpSpPr>
+        <p:cNvPr id="1" name=""/>
+        <p:cNvGrpSpPr/>
+        <p:nvPr/>
+      </p:nvGrpSpPr>
+      <p:grpSpPr>
+        <a:xfrm>
+          <a:off x="0" y="0"/>
+          <a:ext cx="0" cy="0"/>
+          <a:chOff x="0" y="0"/>
+          <a:chExt cx="0" cy="0"/>
+        </a:xfrm>
+      </p:grpSpPr>
+      <p:sp>
+        <p:nvSpPr>
+          <p:cNvPr id="2" name="Title 1">
+            <a:extLst>
+              <a:ext uri="{FF2B5EF4-FFF2-40B4-BE49-F238E27FC236}">
+                <a16:creationId xmlns:a16="http://schemas.microsoft.com/office/drawing/2014/main" id="{D4B61284-AFA8-5846-B909-D2E1C52A601D}"/>
+              </a:ext>
+            </a:extLst>
+          </p:cNvPr>
+          <p:cNvSpPr>
+            <a:spLocks noGrp="1"/>
+          </p:cNvSpPr>
+          <p:nvPr>
+            <p:ph type="title"/>
+          </p:nvPr>
+        </p:nvSpPr>
+        <p:spPr/>
+        <p:txBody>
+          <a:bodyPr/>
+          <a:lstStyle/>
+          <a:p>
+            <a:r>
+              <a:rPr lang="en-US" dirty="0"/>
+              <a:t>Subtype Polymorphism</a:t>
+            </a:r>
+          </a:p>
+        </p:txBody>
+      </p:sp>
+      <p:sp>
+        <p:nvSpPr>
+          <p:cNvPr id="3" name="Content Placeholder 2">
+            <a:extLst>
+              <a:ext uri="{FF2B5EF4-FFF2-40B4-BE49-F238E27FC236}">
+                <a16:creationId xmlns:a16="http://schemas.microsoft.com/office/drawing/2014/main" id="{F8F6D892-3AC3-CC41-B4D5-356CE7808398}"/>
+              </a:ext>
+            </a:extLst>
+          </p:cNvPr>
+          <p:cNvSpPr>
+            <a:spLocks noGrp="1"/>
+          </p:cNvSpPr>
+          <p:nvPr>
+            <p:ph idx="1"/>
+          </p:nvPr>
+        </p:nvSpPr>
+        <p:spPr/>
+        <p:txBody>
+          <a:bodyPr>
+            <a:normAutofit lnSpcReduction="10000"/>
+          </a:bodyPr>
+          <a:lstStyle/>
+          <a:p>
+            <a:r>
+              <a:rPr lang="en-US" dirty="0"/>
+              <a:t>Dynamically typed languages like Python and Asteroid achieve polymorphic containers via Duck Typing.</a:t>
+            </a:r>
+          </a:p>
+          <a:p>
+            <a:r>
+              <a:rPr lang="en-US" dirty="0"/>
+              <a:t>However, these containers are not as type safe as subtype polymorphic containers since any object that supports the required behavior will fit into the container.</a:t>
+            </a:r>
+          </a:p>
+        </p:txBody>
+      </p:sp>
+    </p:spTree>
+    <p:extLst>
+      <p:ext uri="{BB962C8B-B14F-4D97-AF65-F5344CB8AC3E}">
+        <p14:creationId xmlns:p14="http://schemas.microsoft.com/office/powerpoint/2010/main" val="3824944335"/>
+      </p:ext>
+    </p:extLst>
+  </p:cSld>
+  <p:clrMapOvr>
+    <a:masterClrMapping/>
+  </p:clrMapOvr>
+</p:sld>
+</file>
+
+<file path=ppt/slides/slide13.xml><?xml version="1.0" encoding="utf-8"?>
+<p:sld xmlns:a="http://schemas.openxmlformats.org/drawingml/2006/main" xmlns:r="http://schemas.openxmlformats.org/officeDocument/2006/relationships" xmlns:p="http://schemas.openxmlformats.org/presentationml/2006/main">
+  <p:cSld>
+    <p:spTree>
+      <p:nvGrpSpPr>
+        <p:cNvPr id="1" name=""/>
+        <p:cNvGrpSpPr/>
+        <p:nvPr/>
+      </p:nvGrpSpPr>
+      <p:grpSpPr>
+        <a:xfrm>
+          <a:off x="0" y="0"/>
+          <a:ext cx="0" cy="0"/>
+          <a:chOff x="0" y="0"/>
+          <a:chExt cx="0" cy="0"/>
+        </a:xfrm>
+      </p:grpSpPr>
+      <p:sp>
+        <p:nvSpPr>
+          <p:cNvPr id="2" name="Title 1">
+            <a:extLst>
+              <a:ext uri="{FF2B5EF4-FFF2-40B4-BE49-F238E27FC236}">
+                <a16:creationId xmlns:a16="http://schemas.microsoft.com/office/drawing/2014/main" id="{D4B61284-AFA8-5846-B909-D2E1C52A601D}"/>
+              </a:ext>
+            </a:extLst>
+          </p:cNvPr>
+          <p:cNvSpPr>
+            <a:spLocks noGrp="1"/>
+          </p:cNvSpPr>
+          <p:nvPr>
+            <p:ph type="title"/>
+          </p:nvPr>
+        </p:nvSpPr>
+        <p:spPr/>
+        <p:txBody>
+          <a:bodyPr/>
+          <a:lstStyle/>
+          <a:p>
+            <a:r>
+              <a:rPr lang="en-US" dirty="0"/>
+              <a:t>Subtype Polymorphism</a:t>
+            </a:r>
+          </a:p>
+        </p:txBody>
+      </p:sp>
+      <p:sp>
+        <p:nvSpPr>
+          <p:cNvPr id="3" name="Content Placeholder 2">
+            <a:extLst>
+              <a:ext uri="{FF2B5EF4-FFF2-40B4-BE49-F238E27FC236}">
+                <a16:creationId xmlns:a16="http://schemas.microsoft.com/office/drawing/2014/main" id="{F8F6D892-3AC3-CC41-B4D5-356CE7808398}"/>
+              </a:ext>
+            </a:extLst>
+          </p:cNvPr>
+          <p:cNvSpPr>
+            <a:spLocks noGrp="1"/>
+          </p:cNvSpPr>
+          <p:nvPr>
+            <p:ph idx="1"/>
+          </p:nvPr>
+        </p:nvSpPr>
+        <p:spPr/>
+        <p:txBody>
+          <a:bodyPr>
+            <a:normAutofit/>
+          </a:bodyPr>
+          <a:lstStyle/>
+          <a:p>
+            <a:r>
+              <a:rPr lang="en-US" dirty="0"/>
+              <a:t>In Asteroid we can recover a certain amount of type safety using first-class patterns</a:t>
+            </a:r>
+          </a:p>
+          <a:p>
+            <a:r>
+              <a:rPr lang="en-US" dirty="0"/>
+              <a:t>We use first-class patterns as types that allow us to define subtype-supertype relation ships</a:t>
+            </a:r>
+          </a:p>
+          <a:p>
+            <a:pPr lvl="1"/>
+            <a:r>
+              <a:rPr lang="en-US" dirty="0"/>
+              <a:t>☞ subtype polymorphism</a:t>
+            </a:r>
+          </a:p>
+        </p:txBody>
+      </p:sp>
+    </p:spTree>
+    <p:extLst>
+      <p:ext uri="{BB962C8B-B14F-4D97-AF65-F5344CB8AC3E}">
+        <p14:creationId xmlns:p14="http://schemas.microsoft.com/office/powerpoint/2010/main" val="3261368463"/>
+      </p:ext>
+    </p:extLst>
+  </p:cSld>
+  <p:clrMapOvr>
+    <a:masterClrMapping/>
+  </p:clrMapOvr>
+</p:sld>
+</file>
+
+<file path=ppt/slides/slide14.xml><?xml version="1.0" encoding="utf-8"?>
+<p:sld xmlns:a="http://schemas.openxmlformats.org/drawingml/2006/main" xmlns:r="http://schemas.openxmlformats.org/officeDocument/2006/relationships" xmlns:p="http://schemas.openxmlformats.org/presentationml/2006/main">
+  <p:cSld>
+    <p:spTree>
+      <p:nvGrpSpPr>
+        <p:cNvPr id="1" name=""/>
+        <p:cNvGrpSpPr/>
+        <p:nvPr/>
+      </p:nvGrpSpPr>
+      <p:grpSpPr>
+        <a:xfrm>
+          <a:off x="0" y="0"/>
+          <a:ext cx="0" cy="0"/>
+          <a:chOff x="0" y="0"/>
+          <a:chExt cx="0" cy="0"/>
+        </a:xfrm>
+      </p:grpSpPr>
+      <p:sp>
+        <p:nvSpPr>
+          <p:cNvPr id="4" name="Title 3">
+            <a:extLst>
+              <a:ext uri="{FF2B5EF4-FFF2-40B4-BE49-F238E27FC236}">
+                <a16:creationId xmlns:a16="http://schemas.microsoft.com/office/drawing/2014/main" id="{BF0E16F4-B594-3F48-95CE-E98877187628}"/>
+              </a:ext>
+            </a:extLst>
+          </p:cNvPr>
+          <p:cNvSpPr>
+            <a:spLocks noGrp="1"/>
+          </p:cNvSpPr>
+          <p:nvPr>
+            <p:ph type="title"/>
+          </p:nvPr>
+        </p:nvSpPr>
+        <p:spPr/>
+        <p:txBody>
+          <a:bodyPr/>
+          <a:lstStyle/>
+          <a:p>
+            <a:r>
+              <a:rPr lang="en-US" dirty="0"/>
+              <a:t>Subtype Polymorphism</a:t>
+            </a:r>
+          </a:p>
+        </p:txBody>
+      </p:sp>
+      <p:pic>
+        <p:nvPicPr>
+          <p:cNvPr id="5" name="Picture 4">
+            <a:extLst>
+              <a:ext uri="{FF2B5EF4-FFF2-40B4-BE49-F238E27FC236}">
+                <a16:creationId xmlns:a16="http://schemas.microsoft.com/office/drawing/2014/main" id="{2214053F-FBA6-DB49-AA5B-8612843AF181}"/>
+              </a:ext>
+            </a:extLst>
+          </p:cNvPr>
+          <p:cNvPicPr>
+            <a:picLocks noChangeAspect="1"/>
+          </p:cNvPicPr>
+          <p:nvPr/>
+        </p:nvPicPr>
+        <p:blipFill>
+          <a:blip r:embed="rId2"/>
+          <a:stretch>
+            <a:fillRect/>
+          </a:stretch>
+        </p:blipFill>
+        <p:spPr>
+          <a:xfrm>
+            <a:off x="2286000" y="533400"/>
+            <a:ext cx="5878285" cy="5943600"/>
+          </a:xfrm>
+          <a:prstGeom prst="rect">
+            <a:avLst/>
+          </a:prstGeom>
+          <a:ln>
+            <a:solidFill>
+              <a:schemeClr val="tx2"/>
+            </a:solidFill>
+          </a:ln>
+        </p:spPr>
+      </p:pic>
+      <p:sp>
+        <p:nvSpPr>
+          <p:cNvPr id="6" name="Right Arrow 5">
+            <a:extLst>
+              <a:ext uri="{FF2B5EF4-FFF2-40B4-BE49-F238E27FC236}">
+                <a16:creationId xmlns:a16="http://schemas.microsoft.com/office/drawing/2014/main" id="{7F91A166-5440-194E-8578-99A1F553F297}"/>
+              </a:ext>
+            </a:extLst>
+          </p:cNvPr>
+          <p:cNvSpPr/>
+          <p:nvPr/>
+        </p:nvSpPr>
+        <p:spPr bwMode="auto">
+          <a:xfrm>
+            <a:off x="1981200" y="5140326"/>
+            <a:ext cx="381000" cy="346074"/>
+          </a:xfrm>
+          <a:prstGeom prst="rightArrow">
+            <a:avLst/>
+          </a:prstGeom>
+          <a:solidFill>
+            <a:srgbClr val="FF0000"/>
+          </a:solidFill>
+          <a:ln w="9525" cap="flat" cmpd="sng" algn="ctr">
+            <a:solidFill>
+              <a:schemeClr val="tx1"/>
+            </a:solidFill>
+            <a:prstDash val="solid"/>
+            <a:round/>
+            <a:headEnd type="none" w="med" len="med"/>
+            <a:tailEnd type="none" w="med" len="med"/>
+          </a:ln>
+          <a:effectLst/>
+          <a:extLst>
+            <a:ext uri="{AF507438-7753-43e0-B8FC-AC1667EBCBE1}">
+              <a14:hiddenEffects xmlns:a14="http://schemas.microsoft.com/office/drawing/2010/main" xmlns="">
+                <a:effectLst>
+                  <a:outerShdw blurRad="63500" dist="38099" dir="2700000" algn="ctr" rotWithShape="0">
+                    <a:schemeClr val="bg2">
+                      <a:alpha val="74998"/>
+                    </a:schemeClr>
+                  </a:outerShdw>
+                </a:effectLst>
+              </a14:hiddenEffects>
+            </a:ext>
+          </a:extLst>
+        </p:spPr>
+        <p:txBody>
+          <a:bodyPr vert="horz" wrap="square" lIns="91440" tIns="45720" rIns="91440" bIns="45720" numCol="1" rtlCol="0" anchor="t" anchorCtr="0" compatLnSpc="1">
+            <a:prstTxWarp prst="textNoShape">
+              <a:avLst/>
+            </a:prstTxWarp>
+          </a:bodyPr>
+          <a:lstStyle/>
+          <a:p>
+            <a:pPr marL="0" marR="0" indent="0" algn="l" defTabSz="914400" rtl="0" eaLnBrk="0" fontAlgn="base" latinLnBrk="0" hangingPunct="0">
+              <a:lnSpc>
+                <a:spcPct val="100000"/>
+              </a:lnSpc>
+              <a:spcBef>
+                <a:spcPct val="0"/>
+              </a:spcBef>
+              <a:spcAft>
+                <a:spcPct val="0"/>
+              </a:spcAft>
+              <a:buClrTx/>
+              <a:buSzTx/>
+              <a:buFontTx/>
+              <a:buNone/>
+              <a:tabLst/>
+            </a:pPr>
+            <a:endParaRPr kumimoji="0" lang="en-US" sz="1600" b="0" i="0" u="none" strike="noStrike" cap="none" normalizeH="0" baseline="0">
+              <a:ln>
+                <a:noFill/>
+              </a:ln>
+              <a:solidFill>
+                <a:srgbClr val="000000"/>
+              </a:solidFill>
+              <a:effectLst/>
+              <a:latin typeface="Arial" charset="0"/>
+              <a:ea typeface="ＭＳ Ｐゴシック" charset="0"/>
+            </a:endParaRPr>
+          </a:p>
+        </p:txBody>
+      </p:sp>
+    </p:spTree>
+    <p:extLst>
+      <p:ext uri="{BB962C8B-B14F-4D97-AF65-F5344CB8AC3E}">
+        <p14:creationId xmlns:p14="http://schemas.microsoft.com/office/powerpoint/2010/main" val="26282287"/>
       </p:ext>
     </p:extLst>
   </p:cSld>

--- a/notes/csc493-ln016.pptx
+++ b/notes/csc493-ln016.pptx
@@ -5,10 +5,10 @@
     <p:sldMasterId id="2147483651" r:id="rId1"/>
   </p:sldMasterIdLst>
   <p:notesMasterIdLst>
-    <p:notesMasterId r:id="rId16"/>
+    <p:notesMasterId r:id="rId17"/>
   </p:notesMasterIdLst>
   <p:handoutMasterIdLst>
-    <p:handoutMasterId r:id="rId17"/>
+    <p:handoutMasterId r:id="rId18"/>
   </p:handoutMasterIdLst>
   <p:sldIdLst>
     <p:sldId id="268" r:id="rId2"/>
@@ -25,6 +25,7 @@
     <p:sldId id="302" r:id="rId13"/>
     <p:sldId id="303" r:id="rId14"/>
     <p:sldId id="304" r:id="rId15"/>
+    <p:sldId id="305" r:id="rId16"/>
   </p:sldIdLst>
   <p:sldSz cx="9144000" cy="6858000" type="screen4x3"/>
   <p:notesSz cx="6856413" cy="9083675"/>
@@ -7388,7 +7389,7 @@
         </p:blipFill>
         <p:spPr>
           <a:xfrm>
-            <a:off x="2286000" y="533400"/>
+            <a:off x="2960915" y="304800"/>
             <a:ext cx="5878285" cy="5943600"/>
           </a:xfrm>
           <a:prstGeom prst="rect">
@@ -7415,7 +7416,7 @@
         </p:nvSpPr>
         <p:spPr bwMode="auto">
           <a:xfrm>
-            <a:off x="1981200" y="5140326"/>
+            <a:off x="2667000" y="4876800"/>
             <a:ext cx="381000" cy="346074"/>
           </a:xfrm>
           <a:prstGeom prst="rightArrow">
@@ -7486,10 +7487,334 @@
           </a:p>
         </p:txBody>
       </p:sp>
+      <p:sp>
+        <p:nvSpPr>
+          <p:cNvPr id="7" name="TextBox 6">
+            <a:extLst>
+              <a:ext uri="{FF2B5EF4-FFF2-40B4-BE49-F238E27FC236}">
+                <a16:creationId xmlns:a16="http://schemas.microsoft.com/office/drawing/2014/main" id="{B22F3F28-E62B-694F-BB4A-C744E0E9043C}"/>
+              </a:ext>
+            </a:extLst>
+          </p:cNvPr>
+          <p:cNvSpPr txBox="1"/>
+          <p:nvPr/>
+        </p:nvSpPr>
+        <p:spPr>
+          <a:xfrm>
+            <a:off x="3199738" y="6321623"/>
+            <a:ext cx="1677062" cy="307777"/>
+          </a:xfrm>
+          <a:prstGeom prst="rect">
+            <a:avLst/>
+          </a:prstGeom>
+          <a:noFill/>
+        </p:spPr>
+        <p:txBody>
+          <a:bodyPr wrap="none" rtlCol="0">
+            <a:spAutoFit/>
+          </a:bodyPr>
+          <a:lstStyle/>
+          <a:p>
+            <a:r>
+              <a:rPr lang="en-US" sz="1400" dirty="0"/>
+              <a:t>ln014/</a:t>
+            </a:r>
+            <a:r>
+              <a:rPr lang="en-US" sz="1400" dirty="0" err="1"/>
+              <a:t>subtypes.ast</a:t>
+            </a:r>
+            <a:endParaRPr lang="en-US" sz="1400" dirty="0"/>
+          </a:p>
+        </p:txBody>
+      </p:sp>
+      <p:sp>
+        <p:nvSpPr>
+          <p:cNvPr id="8" name="TextBox 7">
+            <a:extLst>
+              <a:ext uri="{FF2B5EF4-FFF2-40B4-BE49-F238E27FC236}">
+                <a16:creationId xmlns:a16="http://schemas.microsoft.com/office/drawing/2014/main" id="{63804F47-21D9-404F-A55B-6E1F907B991F}"/>
+              </a:ext>
+            </a:extLst>
+          </p:cNvPr>
+          <p:cNvSpPr txBox="1"/>
+          <p:nvPr/>
+        </p:nvSpPr>
+        <p:spPr>
+          <a:xfrm>
+            <a:off x="363415" y="2848708"/>
+            <a:ext cx="2327625" cy="1169551"/>
+          </a:xfrm>
+          <a:prstGeom prst="rect">
+            <a:avLst/>
+          </a:prstGeom>
+          <a:noFill/>
+        </p:spPr>
+        <p:txBody>
+          <a:bodyPr wrap="none" rtlCol="0">
+            <a:spAutoFit/>
+          </a:bodyPr>
+          <a:lstStyle/>
+          <a:p>
+            <a:r>
+              <a:rPr lang="en-US" sz="1400" dirty="0"/>
+              <a:t>Note: if we were to try</a:t>
+            </a:r>
+            <a:br>
+              <a:rPr lang="en-US" sz="1400" dirty="0"/>
+            </a:br>
+            <a:r>
+              <a:rPr lang="en-US" sz="1400" dirty="0"/>
+              <a:t>to add anything but circles</a:t>
+            </a:r>
+            <a:br>
+              <a:rPr lang="en-US" sz="1400" dirty="0"/>
+            </a:br>
+            <a:r>
+              <a:rPr lang="en-US" sz="1400" dirty="0"/>
+              <a:t>and squares to the list the</a:t>
+            </a:r>
+            <a:br>
+              <a:rPr lang="en-US" sz="1400" dirty="0"/>
+            </a:br>
+            <a:r>
+              <a:rPr lang="en-US" sz="1400" dirty="0"/>
+              <a:t>‘</a:t>
+            </a:r>
+            <a:r>
+              <a:rPr lang="en-US" sz="1400" dirty="0" err="1"/>
+              <a:t>Shape_List</a:t>
+            </a:r>
+            <a:r>
+              <a:rPr lang="en-US" sz="1400" dirty="0"/>
+              <a:t>’ pattern would </a:t>
+            </a:r>
+            <a:br>
+              <a:rPr lang="en-US" sz="1400" dirty="0"/>
+            </a:br>
+            <a:r>
+              <a:rPr lang="en-US" sz="1400" dirty="0"/>
+              <a:t>fail!</a:t>
+            </a:r>
+          </a:p>
+        </p:txBody>
+      </p:sp>
     </p:spTree>
     <p:extLst>
       <p:ext uri="{BB962C8B-B14F-4D97-AF65-F5344CB8AC3E}">
         <p14:creationId xmlns:p14="http://schemas.microsoft.com/office/powerpoint/2010/main" val="26282287"/>
+      </p:ext>
+    </p:extLst>
+  </p:cSld>
+  <p:clrMapOvr>
+    <a:masterClrMapping/>
+  </p:clrMapOvr>
+</p:sld>
+</file>
+
+<file path=ppt/slides/slide15.xml><?xml version="1.0" encoding="utf-8"?>
+<p:sld xmlns:a="http://schemas.openxmlformats.org/drawingml/2006/main" xmlns:r="http://schemas.openxmlformats.org/officeDocument/2006/relationships" xmlns:p="http://schemas.openxmlformats.org/presentationml/2006/main">
+  <p:cSld>
+    <p:spTree>
+      <p:nvGrpSpPr>
+        <p:cNvPr id="1" name=""/>
+        <p:cNvGrpSpPr/>
+        <p:nvPr/>
+      </p:nvGrpSpPr>
+      <p:grpSpPr>
+        <a:xfrm>
+          <a:off x="0" y="0"/>
+          <a:ext cx="0" cy="0"/>
+          <a:chOff x="0" y="0"/>
+          <a:chExt cx="0" cy="0"/>
+        </a:xfrm>
+      </p:grpSpPr>
+      <p:sp>
+        <p:nvSpPr>
+          <p:cNvPr id="2" name="Title 1">
+            <a:extLst>
+              <a:ext uri="{FF2B5EF4-FFF2-40B4-BE49-F238E27FC236}">
+                <a16:creationId xmlns:a16="http://schemas.microsoft.com/office/drawing/2014/main" id="{9590FB86-1CE7-C348-AD5E-CAE1356A970D}"/>
+              </a:ext>
+            </a:extLst>
+          </p:cNvPr>
+          <p:cNvSpPr>
+            <a:spLocks noGrp="1"/>
+          </p:cNvSpPr>
+          <p:nvPr>
+            <p:ph type="title"/>
+          </p:nvPr>
+        </p:nvSpPr>
+        <p:spPr/>
+        <p:txBody>
+          <a:bodyPr/>
+          <a:lstStyle/>
+          <a:p>
+            <a:r>
+              <a:rPr lang="en-US" dirty="0"/>
+              <a:t>Subtype Polymorphism</a:t>
+            </a:r>
+          </a:p>
+        </p:txBody>
+      </p:sp>
+      <p:sp>
+        <p:nvSpPr>
+          <p:cNvPr id="4" name="Content Placeholder 3">
+            <a:extLst>
+              <a:ext uri="{FF2B5EF4-FFF2-40B4-BE49-F238E27FC236}">
+                <a16:creationId xmlns:a16="http://schemas.microsoft.com/office/drawing/2014/main" id="{9D0193EE-3600-4344-8042-C593A0E32E7A}"/>
+              </a:ext>
+            </a:extLst>
+          </p:cNvPr>
+          <p:cNvSpPr>
+            <a:spLocks noGrp="1"/>
+          </p:cNvSpPr>
+          <p:nvPr>
+            <p:ph idx="1"/>
+          </p:nvPr>
+        </p:nvSpPr>
+        <p:spPr>
+          <a:xfrm>
+            <a:off x="1524000" y="1524000"/>
+            <a:ext cx="7010400" cy="762000"/>
+          </a:xfrm>
+        </p:spPr>
+        <p:txBody>
+          <a:bodyPr>
+            <a:normAutofit fontScale="85000" lnSpcReduction="20000"/>
+          </a:bodyPr>
+          <a:lstStyle/>
+          <a:p>
+            <a:r>
+              <a:rPr lang="en-US" dirty="0"/>
+              <a:t>Alternatively, we can construct the list in one go and then check for type safety.</a:t>
+            </a:r>
+          </a:p>
+        </p:txBody>
+      </p:sp>
+      <p:pic>
+        <p:nvPicPr>
+          <p:cNvPr id="6" name="Picture 5">
+            <a:extLst>
+              <a:ext uri="{FF2B5EF4-FFF2-40B4-BE49-F238E27FC236}">
+                <a16:creationId xmlns:a16="http://schemas.microsoft.com/office/drawing/2014/main" id="{74F80201-5996-7E48-83B8-C86BC217E171}"/>
+              </a:ext>
+            </a:extLst>
+          </p:cNvPr>
+          <p:cNvPicPr>
+            <a:picLocks noChangeAspect="1"/>
+          </p:cNvPicPr>
+          <p:nvPr/>
+        </p:nvPicPr>
+        <p:blipFill>
+          <a:blip r:embed="rId2"/>
+          <a:stretch>
+            <a:fillRect/>
+          </a:stretch>
+        </p:blipFill>
+        <p:spPr>
+          <a:xfrm>
+            <a:off x="1625600" y="2253876"/>
+            <a:ext cx="5994400" cy="4451724"/>
+          </a:xfrm>
+          <a:prstGeom prst="rect">
+            <a:avLst/>
+          </a:prstGeom>
+          <a:ln>
+            <a:solidFill>
+              <a:schemeClr val="tx2"/>
+            </a:solidFill>
+          </a:ln>
+        </p:spPr>
+      </p:pic>
+      <p:sp>
+        <p:nvSpPr>
+          <p:cNvPr id="5" name="Right Arrow 4">
+            <a:extLst>
+              <a:ext uri="{FF2B5EF4-FFF2-40B4-BE49-F238E27FC236}">
+                <a16:creationId xmlns:a16="http://schemas.microsoft.com/office/drawing/2014/main" id="{A5F96659-4414-9F46-BADE-852347E6CE5C}"/>
+              </a:ext>
+            </a:extLst>
+          </p:cNvPr>
+          <p:cNvSpPr/>
+          <p:nvPr/>
+        </p:nvSpPr>
+        <p:spPr bwMode="auto">
+          <a:xfrm>
+            <a:off x="1295400" y="5562600"/>
+            <a:ext cx="457200" cy="304800"/>
+          </a:xfrm>
+          <a:prstGeom prst="rightArrow">
+            <a:avLst/>
+          </a:prstGeom>
+          <a:solidFill>
+            <a:srgbClr val="FF0000"/>
+          </a:solidFill>
+          <a:ln w="9525" cap="flat" cmpd="sng" algn="ctr">
+            <a:solidFill>
+              <a:schemeClr val="tx1"/>
+            </a:solidFill>
+            <a:prstDash val="solid"/>
+            <a:round/>
+            <a:headEnd type="none" w="med" len="med"/>
+            <a:tailEnd type="none" w="med" len="med"/>
+          </a:ln>
+          <a:effectLst/>
+          <a:extLst>
+            <a:ext uri="{AF507438-7753-43e0-B8FC-AC1667EBCBE1}">
+              <a14:hiddenEffects xmlns:a14="http://schemas.microsoft.com/office/drawing/2010/main" xmlns="">
+                <a:effectLst>
+                  <a:outerShdw blurRad="63500" dist="38099" dir="2700000" algn="ctr" rotWithShape="0">
+                    <a:schemeClr val="bg2">
+                      <a:alpha val="74998"/>
+                    </a:schemeClr>
+                  </a:outerShdw>
+                </a:effectLst>
+              </a14:hiddenEffects>
+            </a:ext>
+          </a:extLst>
+        </p:spPr>
+        <p:txBody>
+          <a:bodyPr vert="horz" wrap="square" lIns="91440" tIns="45720" rIns="91440" bIns="45720" numCol="1" rtlCol="0" anchor="t" anchorCtr="0" compatLnSpc="1">
+            <a:prstTxWarp prst="textNoShape">
+              <a:avLst/>
+            </a:prstTxWarp>
+          </a:bodyPr>
+          <a:lstStyle/>
+          <a:p>
+            <a:pPr marL="0" marR="0" indent="0" algn="l" defTabSz="914400" rtl="0" eaLnBrk="0" fontAlgn="base" latinLnBrk="0" hangingPunct="0">
+              <a:lnSpc>
+                <a:spcPct val="100000"/>
+              </a:lnSpc>
+              <a:spcBef>
+                <a:spcPct val="0"/>
+              </a:spcBef>
+              <a:spcAft>
+                <a:spcPct val="0"/>
+              </a:spcAft>
+              <a:buClrTx/>
+              <a:buSzTx/>
+              <a:buFontTx/>
+              <a:buNone/>
+              <a:tabLst/>
+            </a:pPr>
+            <a:endParaRPr kumimoji="0" lang="en-US" sz="1600" b="0" i="0" u="none" strike="noStrike" cap="none" normalizeH="0" baseline="0">
+              <a:ln>
+                <a:noFill/>
+              </a:ln>
+              <a:solidFill>
+                <a:srgbClr val="000000"/>
+              </a:solidFill>
+              <a:effectLst/>
+              <a:latin typeface="Arial" charset="0"/>
+              <a:ea typeface="ＭＳ Ｐゴシック" charset="0"/>
+            </a:endParaRPr>
+          </a:p>
+        </p:txBody>
+      </p:sp>
+    </p:spTree>
+    <p:extLst>
+      <p:ext uri="{BB962C8B-B14F-4D97-AF65-F5344CB8AC3E}">
+        <p14:creationId xmlns:p14="http://schemas.microsoft.com/office/powerpoint/2010/main" val="1171646282"/>
       </p:ext>
     </p:extLst>
   </p:cSld>

--- a/notes/csc493-ln016.pptx
+++ b/notes/csc493-ln016.pptx
@@ -5,10 +5,10 @@
     <p:sldMasterId id="2147483651" r:id="rId1"/>
   </p:sldMasterIdLst>
   <p:notesMasterIdLst>
-    <p:notesMasterId r:id="rId17"/>
+    <p:notesMasterId r:id="rId20"/>
   </p:notesMasterIdLst>
   <p:handoutMasterIdLst>
-    <p:handoutMasterId r:id="rId18"/>
+    <p:handoutMasterId r:id="rId21"/>
   </p:handoutMasterIdLst>
   <p:sldIdLst>
     <p:sldId id="268" r:id="rId2"/>
@@ -26,6 +26,9 @@
     <p:sldId id="303" r:id="rId14"/>
     <p:sldId id="304" r:id="rId15"/>
     <p:sldId id="305" r:id="rId16"/>
+    <p:sldId id="306" r:id="rId17"/>
+    <p:sldId id="307" r:id="rId18"/>
+    <p:sldId id="308" r:id="rId19"/>
   </p:sldIdLst>
   <p:sldSz cx="9144000" cy="6858000" type="screen4x3"/>
   <p:notesSz cx="6856413" cy="9083675"/>
@@ -232,14 +235,14 @@
           <a:effectLst/>
           <a:extLst>
             <a:ext uri="{909E8E84-426E-40dd-AFC4-6F175D3DCCD1}">
-              <a14:hiddenFill xmlns="" xmlns:a14="http://schemas.microsoft.com/office/drawing/2010/main">
+              <a14:hiddenFill xmlns:a14="http://schemas.microsoft.com/office/drawing/2010/main" xmlns="">
                 <a:solidFill>
                   <a:schemeClr val="accent1"/>
                 </a:solidFill>
               </a14:hiddenFill>
             </a:ext>
             <a:ext uri="{91240B29-F687-4f45-9708-019B960494DF}">
-              <a14:hiddenLine xmlns="" xmlns:a14="http://schemas.microsoft.com/office/drawing/2010/main" w="9525">
+              <a14:hiddenLine xmlns:a14="http://schemas.microsoft.com/office/drawing/2010/main" xmlns="" w="9525">
                 <a:solidFill>
                   <a:schemeClr val="tx1"/>
                 </a:solidFill>
@@ -249,7 +252,7 @@
               </a14:hiddenLine>
             </a:ext>
             <a:ext uri="{AF507438-7753-43e0-B8FC-AC1667EBCBE1}">
-              <a14:hiddenEffects xmlns="" xmlns:a14="http://schemas.microsoft.com/office/drawing/2010/main">
+              <a14:hiddenEffects xmlns:a14="http://schemas.microsoft.com/office/drawing/2010/main" xmlns="">
                 <a:effectLst>
                   <a:outerShdw blurRad="63500" dist="38099" dir="2700000" algn="ctr" rotWithShape="0">
                     <a:schemeClr val="bg2">
@@ -260,7 +263,7 @@
               </a14:hiddenEffects>
             </a:ext>
             <a:ext uri="{FAA26D3D-D897-4be2-8F04-BA451C77F1D7}">
-              <ma14:placeholderFlag xmlns="" xmlns:ma14="http://schemas.microsoft.com/office/mac/drawingml/2011/main" val="1"/>
+              <ma14:placeholderFlag xmlns:ma14="http://schemas.microsoft.com/office/mac/drawingml/2011/main" xmlns="" val="1"/>
             </a:ext>
           </a:extLst>
         </p:spPr>
@@ -318,14 +321,14 @@
           <a:effectLst/>
           <a:extLst>
             <a:ext uri="{909E8E84-426E-40dd-AFC4-6F175D3DCCD1}">
-              <a14:hiddenFill xmlns="" xmlns:a14="http://schemas.microsoft.com/office/drawing/2010/main">
+              <a14:hiddenFill xmlns:a14="http://schemas.microsoft.com/office/drawing/2010/main" xmlns="">
                 <a:solidFill>
                   <a:schemeClr val="accent1"/>
                 </a:solidFill>
               </a14:hiddenFill>
             </a:ext>
             <a:ext uri="{91240B29-F687-4f45-9708-019B960494DF}">
-              <a14:hiddenLine xmlns="" xmlns:a14="http://schemas.microsoft.com/office/drawing/2010/main" w="9525">
+              <a14:hiddenLine xmlns:a14="http://schemas.microsoft.com/office/drawing/2010/main" xmlns="" w="9525">
                 <a:solidFill>
                   <a:schemeClr val="tx1"/>
                 </a:solidFill>
@@ -335,7 +338,7 @@
               </a14:hiddenLine>
             </a:ext>
             <a:ext uri="{AF507438-7753-43e0-B8FC-AC1667EBCBE1}">
-              <a14:hiddenEffects xmlns="" xmlns:a14="http://schemas.microsoft.com/office/drawing/2010/main">
+              <a14:hiddenEffects xmlns:a14="http://schemas.microsoft.com/office/drawing/2010/main" xmlns="">
                 <a:effectLst>
                   <a:outerShdw blurRad="63500" dist="38099" dir="2700000" algn="ctr" rotWithShape="0">
                     <a:schemeClr val="bg2">
@@ -346,7 +349,7 @@
               </a14:hiddenEffects>
             </a:ext>
             <a:ext uri="{FAA26D3D-D897-4be2-8F04-BA451C77F1D7}">
-              <ma14:placeholderFlag xmlns="" xmlns:ma14="http://schemas.microsoft.com/office/mac/drawingml/2011/main" val="1"/>
+              <ma14:placeholderFlag xmlns:ma14="http://schemas.microsoft.com/office/mac/drawingml/2011/main" xmlns="" val="1"/>
             </a:ext>
           </a:extLst>
         </p:spPr>
@@ -404,14 +407,14 @@
           <a:effectLst/>
           <a:extLst>
             <a:ext uri="{909E8E84-426E-40dd-AFC4-6F175D3DCCD1}">
-              <a14:hiddenFill xmlns="" xmlns:a14="http://schemas.microsoft.com/office/drawing/2010/main">
+              <a14:hiddenFill xmlns:a14="http://schemas.microsoft.com/office/drawing/2010/main" xmlns="">
                 <a:solidFill>
                   <a:schemeClr val="accent1"/>
                 </a:solidFill>
               </a14:hiddenFill>
             </a:ext>
             <a:ext uri="{91240B29-F687-4f45-9708-019B960494DF}">
-              <a14:hiddenLine xmlns="" xmlns:a14="http://schemas.microsoft.com/office/drawing/2010/main" w="9525">
+              <a14:hiddenLine xmlns:a14="http://schemas.microsoft.com/office/drawing/2010/main" xmlns="" w="9525">
                 <a:solidFill>
                   <a:schemeClr val="tx1"/>
                 </a:solidFill>
@@ -421,7 +424,7 @@
               </a14:hiddenLine>
             </a:ext>
             <a:ext uri="{AF507438-7753-43e0-B8FC-AC1667EBCBE1}">
-              <a14:hiddenEffects xmlns="" xmlns:a14="http://schemas.microsoft.com/office/drawing/2010/main">
+              <a14:hiddenEffects xmlns:a14="http://schemas.microsoft.com/office/drawing/2010/main" xmlns="">
                 <a:effectLst>
                   <a:outerShdw blurRad="63500" dist="38099" dir="2700000" algn="ctr" rotWithShape="0">
                     <a:schemeClr val="bg2">
@@ -432,7 +435,7 @@
               </a14:hiddenEffects>
             </a:ext>
             <a:ext uri="{FAA26D3D-D897-4be2-8F04-BA451C77F1D7}">
-              <ma14:placeholderFlag xmlns="" xmlns:ma14="http://schemas.microsoft.com/office/mac/drawingml/2011/main" val="1"/>
+              <ma14:placeholderFlag xmlns:ma14="http://schemas.microsoft.com/office/mac/drawingml/2011/main" xmlns="" val="1"/>
             </a:ext>
           </a:extLst>
         </p:spPr>
@@ -490,14 +493,14 @@
           <a:effectLst/>
           <a:extLst>
             <a:ext uri="{909E8E84-426E-40dd-AFC4-6F175D3DCCD1}">
-              <a14:hiddenFill xmlns="" xmlns:a14="http://schemas.microsoft.com/office/drawing/2010/main">
+              <a14:hiddenFill xmlns:a14="http://schemas.microsoft.com/office/drawing/2010/main" xmlns="">
                 <a:solidFill>
                   <a:schemeClr val="accent1"/>
                 </a:solidFill>
               </a14:hiddenFill>
             </a:ext>
             <a:ext uri="{91240B29-F687-4f45-9708-019B960494DF}">
-              <a14:hiddenLine xmlns="" xmlns:a14="http://schemas.microsoft.com/office/drawing/2010/main" w="9525">
+              <a14:hiddenLine xmlns:a14="http://schemas.microsoft.com/office/drawing/2010/main" xmlns="" w="9525">
                 <a:solidFill>
                   <a:schemeClr val="tx1"/>
                 </a:solidFill>
@@ -507,7 +510,7 @@
               </a14:hiddenLine>
             </a:ext>
             <a:ext uri="{AF507438-7753-43e0-B8FC-AC1667EBCBE1}">
-              <a14:hiddenEffects xmlns="" xmlns:a14="http://schemas.microsoft.com/office/drawing/2010/main">
+              <a14:hiddenEffects xmlns:a14="http://schemas.microsoft.com/office/drawing/2010/main" xmlns="">
                 <a:effectLst>
                   <a:outerShdw blurRad="63500" dist="38099" dir="2700000" algn="ctr" rotWithShape="0">
                     <a:schemeClr val="bg2">
@@ -518,7 +521,7 @@
               </a14:hiddenEffects>
             </a:ext>
             <a:ext uri="{FAA26D3D-D897-4be2-8F04-BA451C77F1D7}">
-              <ma14:placeholderFlag xmlns="" xmlns:ma14="http://schemas.microsoft.com/office/mac/drawingml/2011/main" val="1"/>
+              <ma14:placeholderFlag xmlns:ma14="http://schemas.microsoft.com/office/mac/drawingml/2011/main" xmlns="" val="1"/>
             </a:ext>
           </a:extLst>
         </p:spPr>
@@ -610,14 +613,14 @@
           <a:effectLst/>
           <a:extLst>
             <a:ext uri="{909E8E84-426E-40dd-AFC4-6F175D3DCCD1}">
-              <a14:hiddenFill xmlns="" xmlns:a14="http://schemas.microsoft.com/office/drawing/2010/main">
+              <a14:hiddenFill xmlns:a14="http://schemas.microsoft.com/office/drawing/2010/main" xmlns="">
                 <a:solidFill>
                   <a:schemeClr val="accent1"/>
                 </a:solidFill>
               </a14:hiddenFill>
             </a:ext>
             <a:ext uri="{91240B29-F687-4f45-9708-019B960494DF}">
-              <a14:hiddenLine xmlns="" xmlns:a14="http://schemas.microsoft.com/office/drawing/2010/main" w="9525">
+              <a14:hiddenLine xmlns:a14="http://schemas.microsoft.com/office/drawing/2010/main" xmlns="" w="9525">
                 <a:solidFill>
                   <a:schemeClr val="tx1"/>
                 </a:solidFill>
@@ -627,7 +630,7 @@
               </a14:hiddenLine>
             </a:ext>
             <a:ext uri="{AF507438-7753-43e0-B8FC-AC1667EBCBE1}">
-              <a14:hiddenEffects xmlns="" xmlns:a14="http://schemas.microsoft.com/office/drawing/2010/main">
+              <a14:hiddenEffects xmlns:a14="http://schemas.microsoft.com/office/drawing/2010/main" xmlns="">
                 <a:effectLst>
                   <a:outerShdw blurRad="63500" dist="38099" dir="2700000" algn="ctr" rotWithShape="0">
                     <a:schemeClr val="bg2">
@@ -638,7 +641,7 @@
               </a14:hiddenEffects>
             </a:ext>
             <a:ext uri="{FAA26D3D-D897-4be2-8F04-BA451C77F1D7}">
-              <ma14:placeholderFlag xmlns="" xmlns:ma14="http://schemas.microsoft.com/office/mac/drawingml/2011/main" val="1"/>
+              <ma14:placeholderFlag xmlns:ma14="http://schemas.microsoft.com/office/mac/drawingml/2011/main" xmlns="" val="1"/>
             </a:ext>
           </a:extLst>
         </p:spPr>
@@ -696,14 +699,14 @@
           <a:effectLst/>
           <a:extLst>
             <a:ext uri="{909E8E84-426E-40dd-AFC4-6F175D3DCCD1}">
-              <a14:hiddenFill xmlns="" xmlns:a14="http://schemas.microsoft.com/office/drawing/2010/main">
+              <a14:hiddenFill xmlns:a14="http://schemas.microsoft.com/office/drawing/2010/main" xmlns="">
                 <a:solidFill>
                   <a:schemeClr val="accent1"/>
                 </a:solidFill>
               </a14:hiddenFill>
             </a:ext>
             <a:ext uri="{91240B29-F687-4f45-9708-019B960494DF}">
-              <a14:hiddenLine xmlns="" xmlns:a14="http://schemas.microsoft.com/office/drawing/2010/main" w="9525">
+              <a14:hiddenLine xmlns:a14="http://schemas.microsoft.com/office/drawing/2010/main" xmlns="" w="9525">
                 <a:solidFill>
                   <a:schemeClr val="tx1"/>
                 </a:solidFill>
@@ -713,7 +716,7 @@
               </a14:hiddenLine>
             </a:ext>
             <a:ext uri="{AF507438-7753-43e0-B8FC-AC1667EBCBE1}">
-              <a14:hiddenEffects xmlns="" xmlns:a14="http://schemas.microsoft.com/office/drawing/2010/main">
+              <a14:hiddenEffects xmlns:a14="http://schemas.microsoft.com/office/drawing/2010/main" xmlns="">
                 <a:effectLst>
                   <a:outerShdw blurRad="63500" dist="38099" dir="2700000" algn="ctr" rotWithShape="0">
                     <a:schemeClr val="bg2">
@@ -724,7 +727,7 @@
               </a14:hiddenEffects>
             </a:ext>
             <a:ext uri="{FAA26D3D-D897-4be2-8F04-BA451C77F1D7}">
-              <ma14:placeholderFlag xmlns="" xmlns:ma14="http://schemas.microsoft.com/office/mac/drawingml/2011/main" val="1"/>
+              <ma14:placeholderFlag xmlns:ma14="http://schemas.microsoft.com/office/mac/drawingml/2011/main" xmlns="" val="1"/>
             </a:ext>
           </a:extLst>
         </p:spPr>
@@ -787,7 +790,7 @@
           <a:effectLst/>
           <a:extLst>
             <a:ext uri="{AF507438-7753-43e0-B8FC-AC1667EBCBE1}">
-              <a14:hiddenEffects xmlns="" xmlns:a14="http://schemas.microsoft.com/office/drawing/2010/main">
+              <a14:hiddenEffects xmlns:a14="http://schemas.microsoft.com/office/drawing/2010/main" xmlns="">
                 <a:effectLst>
                   <a:outerShdw blurRad="63500" dist="38099" dir="2700000" algn="ctr" rotWithShape="0">
                     <a:srgbClr val="000000">
@@ -798,7 +801,7 @@
               </a14:hiddenEffects>
             </a:ext>
             <a:ext uri="{53640926-AAD7-44d8-BBD7-CCE9431645EC}">
-              <a14:shadowObscured xmlns="" xmlns:a14="http://schemas.microsoft.com/office/drawing/2010/main" val="1"/>
+              <a14:shadowObscured xmlns:a14="http://schemas.microsoft.com/office/drawing/2010/main" xmlns="" val="1"/>
             </a:ext>
           </a:extLst>
         </p:spPr>
@@ -834,14 +837,14 @@
           <a:effectLst/>
           <a:extLst>
             <a:ext uri="{909E8E84-426E-40dd-AFC4-6F175D3DCCD1}">
-              <a14:hiddenFill xmlns="" xmlns:a14="http://schemas.microsoft.com/office/drawing/2010/main">
+              <a14:hiddenFill xmlns:a14="http://schemas.microsoft.com/office/drawing/2010/main" xmlns="">
                 <a:solidFill>
                   <a:schemeClr val="accent1"/>
                 </a:solidFill>
               </a14:hiddenFill>
             </a:ext>
             <a:ext uri="{91240B29-F687-4f45-9708-019B960494DF}">
-              <a14:hiddenLine xmlns="" xmlns:a14="http://schemas.microsoft.com/office/drawing/2010/main" w="9525">
+              <a14:hiddenLine xmlns:a14="http://schemas.microsoft.com/office/drawing/2010/main" xmlns="" w="9525">
                 <a:solidFill>
                   <a:schemeClr val="tx1"/>
                 </a:solidFill>
@@ -851,7 +854,7 @@
               </a14:hiddenLine>
             </a:ext>
             <a:ext uri="{AF507438-7753-43e0-B8FC-AC1667EBCBE1}">
-              <a14:hiddenEffects xmlns="" xmlns:a14="http://schemas.microsoft.com/office/drawing/2010/main">
+              <a14:hiddenEffects xmlns:a14="http://schemas.microsoft.com/office/drawing/2010/main" xmlns="">
                 <a:effectLst>
                   <a:outerShdw blurRad="63500" dist="38099" dir="2700000" algn="ctr" rotWithShape="0">
                     <a:schemeClr val="bg2">
@@ -862,7 +865,7 @@
               </a14:hiddenEffects>
             </a:ext>
             <a:ext uri="{FAA26D3D-D897-4be2-8F04-BA451C77F1D7}">
-              <ma14:placeholderFlag xmlns="" xmlns:ma14="http://schemas.microsoft.com/office/mac/drawingml/2011/main" val="1"/>
+              <ma14:placeholderFlag xmlns:ma14="http://schemas.microsoft.com/office/mac/drawingml/2011/main" xmlns="" val="1"/>
             </a:ext>
           </a:extLst>
         </p:spPr>
@@ -941,14 +944,14 @@
           <a:effectLst/>
           <a:extLst>
             <a:ext uri="{909E8E84-426E-40dd-AFC4-6F175D3DCCD1}">
-              <a14:hiddenFill xmlns="" xmlns:a14="http://schemas.microsoft.com/office/drawing/2010/main">
+              <a14:hiddenFill xmlns:a14="http://schemas.microsoft.com/office/drawing/2010/main" xmlns="">
                 <a:solidFill>
                   <a:schemeClr val="accent1"/>
                 </a:solidFill>
               </a14:hiddenFill>
             </a:ext>
             <a:ext uri="{91240B29-F687-4f45-9708-019B960494DF}">
-              <a14:hiddenLine xmlns="" xmlns:a14="http://schemas.microsoft.com/office/drawing/2010/main" w="9525">
+              <a14:hiddenLine xmlns:a14="http://schemas.microsoft.com/office/drawing/2010/main" xmlns="" w="9525">
                 <a:solidFill>
                   <a:schemeClr val="tx1"/>
                 </a:solidFill>
@@ -958,7 +961,7 @@
               </a14:hiddenLine>
             </a:ext>
             <a:ext uri="{AF507438-7753-43e0-B8FC-AC1667EBCBE1}">
-              <a14:hiddenEffects xmlns="" xmlns:a14="http://schemas.microsoft.com/office/drawing/2010/main">
+              <a14:hiddenEffects xmlns:a14="http://schemas.microsoft.com/office/drawing/2010/main" xmlns="">
                 <a:effectLst>
                   <a:outerShdw blurRad="63500" dist="38099" dir="2700000" algn="ctr" rotWithShape="0">
                     <a:schemeClr val="bg2">
@@ -969,7 +972,7 @@
               </a14:hiddenEffects>
             </a:ext>
             <a:ext uri="{FAA26D3D-D897-4be2-8F04-BA451C77F1D7}">
-              <ma14:placeholderFlag xmlns="" xmlns:ma14="http://schemas.microsoft.com/office/mac/drawingml/2011/main" val="1"/>
+              <ma14:placeholderFlag xmlns:ma14="http://schemas.microsoft.com/office/mac/drawingml/2011/main" xmlns="" val="1"/>
             </a:ext>
           </a:extLst>
         </p:spPr>
@@ -1027,14 +1030,14 @@
           <a:effectLst/>
           <a:extLst>
             <a:ext uri="{909E8E84-426E-40dd-AFC4-6F175D3DCCD1}">
-              <a14:hiddenFill xmlns="" xmlns:a14="http://schemas.microsoft.com/office/drawing/2010/main">
+              <a14:hiddenFill xmlns:a14="http://schemas.microsoft.com/office/drawing/2010/main" xmlns="">
                 <a:solidFill>
                   <a:schemeClr val="accent1"/>
                 </a:solidFill>
               </a14:hiddenFill>
             </a:ext>
             <a:ext uri="{91240B29-F687-4f45-9708-019B960494DF}">
-              <a14:hiddenLine xmlns="" xmlns:a14="http://schemas.microsoft.com/office/drawing/2010/main" w="9525">
+              <a14:hiddenLine xmlns:a14="http://schemas.microsoft.com/office/drawing/2010/main" xmlns="" w="9525">
                 <a:solidFill>
                   <a:schemeClr val="tx1"/>
                 </a:solidFill>
@@ -1044,7 +1047,7 @@
               </a14:hiddenLine>
             </a:ext>
             <a:ext uri="{AF507438-7753-43e0-B8FC-AC1667EBCBE1}">
-              <a14:hiddenEffects xmlns="" xmlns:a14="http://schemas.microsoft.com/office/drawing/2010/main">
+              <a14:hiddenEffects xmlns:a14="http://schemas.microsoft.com/office/drawing/2010/main" xmlns="">
                 <a:effectLst>
                   <a:outerShdw blurRad="63500" dist="38099" dir="2700000" algn="ctr" rotWithShape="0">
                     <a:schemeClr val="bg2">
@@ -1055,7 +1058,7 @@
               </a14:hiddenEffects>
             </a:ext>
             <a:ext uri="{FAA26D3D-D897-4be2-8F04-BA451C77F1D7}">
-              <ma14:placeholderFlag xmlns="" xmlns:ma14="http://schemas.microsoft.com/office/mac/drawingml/2011/main" val="1"/>
+              <ma14:placeholderFlag xmlns:ma14="http://schemas.microsoft.com/office/mac/drawingml/2011/main" xmlns="" val="1"/>
             </a:ext>
           </a:extLst>
         </p:spPr>
@@ -1259,12 +1262,12 @@
           <a:effectLst/>
           <a:extLst>
             <a:ext uri="{909E8E84-426E-40dd-AFC4-6F175D3DCCD1}">
-              <a14:hiddenFill xmlns="" xmlns:a14="http://schemas.microsoft.com/office/drawing/2010/main">
+              <a14:hiddenFill xmlns:a14="http://schemas.microsoft.com/office/drawing/2010/main" xmlns="">
                 <a:noFill/>
               </a14:hiddenFill>
             </a:ext>
             <a:ext uri="{AF507438-7753-43e0-B8FC-AC1667EBCBE1}">
-              <a14:hiddenEffects xmlns="" xmlns:a14="http://schemas.microsoft.com/office/drawing/2010/main">
+              <a14:hiddenEffects xmlns:a14="http://schemas.microsoft.com/office/drawing/2010/main" xmlns="">
                 <a:effectLst>
                   <a:outerShdw blurRad="63500" dist="38099" dir="2700000" algn="ctr" rotWithShape="0">
                     <a:schemeClr val="bg2">
@@ -1379,14 +1382,14 @@
           </a:xfrm>
           <a:extLst>
             <a:ext uri="{909E8E84-426E-40dd-AFC4-6F175D3DCCD1}">
-              <a14:hiddenFill xmlns="" xmlns:a14="http://schemas.microsoft.com/office/drawing/2010/main">
+              <a14:hiddenFill xmlns:a14="http://schemas.microsoft.com/office/drawing/2010/main" xmlns="">
                 <a:solidFill>
                   <a:schemeClr val="accent1"/>
                 </a:solidFill>
               </a14:hiddenFill>
             </a:ext>
             <a:ext uri="{91240B29-F687-4f45-9708-019B960494DF}">
-              <a14:hiddenLine xmlns="" xmlns:a14="http://schemas.microsoft.com/office/drawing/2010/main" w="9525">
+              <a14:hiddenLine xmlns:a14="http://schemas.microsoft.com/office/drawing/2010/main" xmlns="" w="9525">
                 <a:solidFill>
                   <a:schemeClr val="tx1"/>
                 </a:solidFill>
@@ -1396,7 +1399,7 @@
               </a14:hiddenLine>
             </a:ext>
             <a:ext uri="{AF507438-7753-43e0-B8FC-AC1667EBCBE1}">
-              <a14:hiddenEffects xmlns="" xmlns:a14="http://schemas.microsoft.com/office/drawing/2010/main">
+              <a14:hiddenEffects xmlns:a14="http://schemas.microsoft.com/office/drawing/2010/main" xmlns="">
                 <a:effectLst>
                   <a:outerShdw blurRad="63500" dist="38099" dir="2700000" algn="ctr" rotWithShape="0">
                     <a:schemeClr val="bg2">
@@ -1407,7 +1410,7 @@
               </a14:hiddenEffects>
             </a:ext>
             <a:ext uri="{FAA26D3D-D897-4be2-8F04-BA451C77F1D7}">
-              <ma14:placeholderFlag xmlns="" xmlns:ma14="http://schemas.microsoft.com/office/mac/drawingml/2011/main" val="1"/>
+              <ma14:placeholderFlag xmlns:ma14="http://schemas.microsoft.com/office/mac/drawingml/2011/main" xmlns="" val="1"/>
             </a:ext>
           </a:extLst>
         </p:spPr>
@@ -1449,14 +1452,14 @@
           </a:xfrm>
           <a:extLst>
             <a:ext uri="{909E8E84-426E-40dd-AFC4-6F175D3DCCD1}">
-              <a14:hiddenFill xmlns="" xmlns:a14="http://schemas.microsoft.com/office/drawing/2010/main">
+              <a14:hiddenFill xmlns:a14="http://schemas.microsoft.com/office/drawing/2010/main" xmlns="">
                 <a:solidFill>
                   <a:schemeClr val="accent1"/>
                 </a:solidFill>
               </a14:hiddenFill>
             </a:ext>
             <a:ext uri="{91240B29-F687-4f45-9708-019B960494DF}">
-              <a14:hiddenLine xmlns="" xmlns:a14="http://schemas.microsoft.com/office/drawing/2010/main" w="9525">
+              <a14:hiddenLine xmlns:a14="http://schemas.microsoft.com/office/drawing/2010/main" xmlns="" w="9525">
                 <a:solidFill>
                   <a:schemeClr val="tx1"/>
                 </a:solidFill>
@@ -1466,7 +1469,7 @@
               </a14:hiddenLine>
             </a:ext>
             <a:ext uri="{AF507438-7753-43e0-B8FC-AC1667EBCBE1}">
-              <a14:hiddenEffects xmlns="" xmlns:a14="http://schemas.microsoft.com/office/drawing/2010/main">
+              <a14:hiddenEffects xmlns:a14="http://schemas.microsoft.com/office/drawing/2010/main" xmlns="">
                 <a:effectLst>
                   <a:outerShdw blurRad="63500" dist="38099" dir="2700000" algn="ctr" rotWithShape="0">
                     <a:schemeClr val="bg2">
@@ -1477,7 +1480,7 @@
               </a14:hiddenEffects>
             </a:ext>
             <a:ext uri="{FAA26D3D-D897-4be2-8F04-BA451C77F1D7}">
-              <ma14:placeholderFlag xmlns="" xmlns:ma14="http://schemas.microsoft.com/office/mac/drawingml/2011/main" val="1"/>
+              <ma14:placeholderFlag xmlns:ma14="http://schemas.microsoft.com/office/mac/drawingml/2011/main" xmlns="" val="1"/>
             </a:ext>
           </a:extLst>
         </p:spPr>
@@ -1519,14 +1522,14 @@
           </a:xfrm>
           <a:extLst>
             <a:ext uri="{909E8E84-426E-40dd-AFC4-6F175D3DCCD1}">
-              <a14:hiddenFill xmlns="" xmlns:a14="http://schemas.microsoft.com/office/drawing/2010/main">
+              <a14:hiddenFill xmlns:a14="http://schemas.microsoft.com/office/drawing/2010/main" xmlns="">
                 <a:solidFill>
                   <a:schemeClr val="accent1"/>
                 </a:solidFill>
               </a14:hiddenFill>
             </a:ext>
             <a:ext uri="{91240B29-F687-4f45-9708-019B960494DF}">
-              <a14:hiddenLine xmlns="" xmlns:a14="http://schemas.microsoft.com/office/drawing/2010/main" w="9525">
+              <a14:hiddenLine xmlns:a14="http://schemas.microsoft.com/office/drawing/2010/main" xmlns="" w="9525">
                 <a:solidFill>
                   <a:schemeClr val="tx1"/>
                 </a:solidFill>
@@ -1536,7 +1539,7 @@
               </a14:hiddenLine>
             </a:ext>
             <a:ext uri="{AF507438-7753-43e0-B8FC-AC1667EBCBE1}">
-              <a14:hiddenEffects xmlns="" xmlns:a14="http://schemas.microsoft.com/office/drawing/2010/main">
+              <a14:hiddenEffects xmlns:a14="http://schemas.microsoft.com/office/drawing/2010/main" xmlns="">
                 <a:effectLst>
                   <a:outerShdw blurRad="63500" dist="38099" dir="2700000" algn="ctr" rotWithShape="0">
                     <a:schemeClr val="bg2">
@@ -1547,7 +1550,7 @@
               </a14:hiddenEffects>
             </a:ext>
             <a:ext uri="{FAA26D3D-D897-4be2-8F04-BA451C77F1D7}">
-              <ma14:placeholderFlag xmlns="" xmlns:ma14="http://schemas.microsoft.com/office/mac/drawingml/2011/main" val="1"/>
+              <ma14:placeholderFlag xmlns:ma14="http://schemas.microsoft.com/office/mac/drawingml/2011/main" xmlns="" val="1"/>
             </a:ext>
           </a:extLst>
         </p:spPr>
@@ -4214,14 +4217,14 @@
           <a:effectLst/>
           <a:extLst>
             <a:ext uri="{909E8E84-426E-40dd-AFC4-6F175D3DCCD1}">
-              <a14:hiddenFill xmlns="" xmlns:a14="http://schemas.microsoft.com/office/drawing/2010/main">
+              <a14:hiddenFill xmlns:a14="http://schemas.microsoft.com/office/drawing/2010/main" xmlns="">
                 <a:solidFill>
                   <a:schemeClr val="accent1"/>
                 </a:solidFill>
               </a14:hiddenFill>
             </a:ext>
             <a:ext uri="{91240B29-F687-4f45-9708-019B960494DF}">
-              <a14:hiddenLine xmlns="" xmlns:a14="http://schemas.microsoft.com/office/drawing/2010/main" w="9525">
+              <a14:hiddenLine xmlns:a14="http://schemas.microsoft.com/office/drawing/2010/main" xmlns="" w="9525">
                 <a:solidFill>
                   <a:schemeClr val="tx1"/>
                 </a:solidFill>
@@ -4231,7 +4234,7 @@
               </a14:hiddenLine>
             </a:ext>
             <a:ext uri="{AF507438-7753-43e0-B8FC-AC1667EBCBE1}">
-              <a14:hiddenEffects xmlns="" xmlns:a14="http://schemas.microsoft.com/office/drawing/2010/main">
+              <a14:hiddenEffects xmlns:a14="http://schemas.microsoft.com/office/drawing/2010/main" xmlns="">
                 <a:effectLst>
                   <a:outerShdw blurRad="63500" dist="38099" dir="2700000" algn="ctr" rotWithShape="0">
                     <a:schemeClr val="bg2">
@@ -4242,7 +4245,7 @@
               </a14:hiddenEffects>
             </a:ext>
             <a:ext uri="{FAA26D3D-D897-4be2-8F04-BA451C77F1D7}">
-              <ma14:placeholderFlag xmlns="" xmlns:ma14="http://schemas.microsoft.com/office/mac/drawingml/2011/main" val="1"/>
+              <ma14:placeholderFlag xmlns:ma14="http://schemas.microsoft.com/office/mac/drawingml/2011/main" xmlns="" val="1"/>
             </a:ext>
           </a:extLst>
         </p:spPr>
@@ -4293,14 +4296,14 @@
           <a:effectLst/>
           <a:extLst>
             <a:ext uri="{909E8E84-426E-40dd-AFC4-6F175D3DCCD1}">
-              <a14:hiddenFill xmlns="" xmlns:a14="http://schemas.microsoft.com/office/drawing/2010/main">
+              <a14:hiddenFill xmlns:a14="http://schemas.microsoft.com/office/drawing/2010/main" xmlns="">
                 <a:solidFill>
                   <a:schemeClr val="accent1"/>
                 </a:solidFill>
               </a14:hiddenFill>
             </a:ext>
             <a:ext uri="{91240B29-F687-4f45-9708-019B960494DF}">
-              <a14:hiddenLine xmlns="" xmlns:a14="http://schemas.microsoft.com/office/drawing/2010/main" w="9525">
+              <a14:hiddenLine xmlns:a14="http://schemas.microsoft.com/office/drawing/2010/main" xmlns="" w="9525">
                 <a:solidFill>
                   <a:schemeClr val="tx1"/>
                 </a:solidFill>
@@ -4310,7 +4313,7 @@
               </a14:hiddenLine>
             </a:ext>
             <a:ext uri="{AF507438-7753-43e0-B8FC-AC1667EBCBE1}">
-              <a14:hiddenEffects xmlns="" xmlns:a14="http://schemas.microsoft.com/office/drawing/2010/main">
+              <a14:hiddenEffects xmlns:a14="http://schemas.microsoft.com/office/drawing/2010/main" xmlns="">
                 <a:effectLst>
                   <a:outerShdw blurRad="63500" dist="38099" dir="2700000" algn="ctr" rotWithShape="0">
                     <a:schemeClr val="bg2">
@@ -4321,7 +4324,7 @@
               </a14:hiddenEffects>
             </a:ext>
             <a:ext uri="{FAA26D3D-D897-4be2-8F04-BA451C77F1D7}">
-              <ma14:placeholderFlag xmlns="" xmlns:ma14="http://schemas.microsoft.com/office/mac/drawingml/2011/main" val="1"/>
+              <ma14:placeholderFlag xmlns:ma14="http://schemas.microsoft.com/office/mac/drawingml/2011/main" xmlns="" val="1"/>
             </a:ext>
           </a:extLst>
         </p:spPr>
@@ -4400,14 +4403,14 @@
           <a:effectLst/>
           <a:extLst>
             <a:ext uri="{909E8E84-426E-40dd-AFC4-6F175D3DCCD1}">
-              <a14:hiddenFill xmlns="" xmlns:a14="http://schemas.microsoft.com/office/drawing/2010/main">
+              <a14:hiddenFill xmlns:a14="http://schemas.microsoft.com/office/drawing/2010/main" xmlns="">
                 <a:solidFill>
                   <a:schemeClr val="accent1"/>
                 </a:solidFill>
               </a14:hiddenFill>
             </a:ext>
             <a:ext uri="{91240B29-F687-4f45-9708-019B960494DF}">
-              <a14:hiddenLine xmlns="" xmlns:a14="http://schemas.microsoft.com/office/drawing/2010/main" w="9525">
+              <a14:hiddenLine xmlns:a14="http://schemas.microsoft.com/office/drawing/2010/main" xmlns="" w="9525">
                 <a:solidFill>
                   <a:schemeClr val="tx1"/>
                 </a:solidFill>
@@ -4417,7 +4420,7 @@
               </a14:hiddenLine>
             </a:ext>
             <a:ext uri="{AF507438-7753-43e0-B8FC-AC1667EBCBE1}">
-              <a14:hiddenEffects xmlns="" xmlns:a14="http://schemas.microsoft.com/office/drawing/2010/main">
+              <a14:hiddenEffects xmlns:a14="http://schemas.microsoft.com/office/drawing/2010/main" xmlns="">
                 <a:effectLst>
                   <a:outerShdw blurRad="63500" dist="38099" dir="2700000" algn="ctr" rotWithShape="0">
                     <a:schemeClr val="bg2">
@@ -4428,7 +4431,7 @@
               </a14:hiddenEffects>
             </a:ext>
             <a:ext uri="{FAA26D3D-D897-4be2-8F04-BA451C77F1D7}">
-              <ma14:placeholderFlag xmlns="" xmlns:ma14="http://schemas.microsoft.com/office/mac/drawingml/2011/main" val="1"/>
+              <ma14:placeholderFlag xmlns:ma14="http://schemas.microsoft.com/office/mac/drawingml/2011/main" xmlns="" val="1"/>
             </a:ext>
           </a:extLst>
         </p:spPr>
@@ -4486,14 +4489,14 @@
           <a:effectLst/>
           <a:extLst>
             <a:ext uri="{909E8E84-426E-40dd-AFC4-6F175D3DCCD1}">
-              <a14:hiddenFill xmlns="" xmlns:a14="http://schemas.microsoft.com/office/drawing/2010/main">
+              <a14:hiddenFill xmlns:a14="http://schemas.microsoft.com/office/drawing/2010/main" xmlns="">
                 <a:solidFill>
                   <a:schemeClr val="accent1"/>
                 </a:solidFill>
               </a14:hiddenFill>
             </a:ext>
             <a:ext uri="{91240B29-F687-4f45-9708-019B960494DF}">
-              <a14:hiddenLine xmlns="" xmlns:a14="http://schemas.microsoft.com/office/drawing/2010/main" w="9525">
+              <a14:hiddenLine xmlns:a14="http://schemas.microsoft.com/office/drawing/2010/main" xmlns="" w="9525">
                 <a:solidFill>
                   <a:schemeClr val="tx1"/>
                 </a:solidFill>
@@ -4503,7 +4506,7 @@
               </a14:hiddenLine>
             </a:ext>
             <a:ext uri="{AF507438-7753-43e0-B8FC-AC1667EBCBE1}">
-              <a14:hiddenEffects xmlns="" xmlns:a14="http://schemas.microsoft.com/office/drawing/2010/main">
+              <a14:hiddenEffects xmlns:a14="http://schemas.microsoft.com/office/drawing/2010/main" xmlns="">
                 <a:effectLst>
                   <a:outerShdw blurRad="63500" dist="38099" dir="2700000" algn="ctr" rotWithShape="0">
                     <a:schemeClr val="bg2">
@@ -4514,7 +4517,7 @@
               </a14:hiddenEffects>
             </a:ext>
             <a:ext uri="{FAA26D3D-D897-4be2-8F04-BA451C77F1D7}">
-              <ma14:placeholderFlag xmlns="" xmlns:ma14="http://schemas.microsoft.com/office/mac/drawingml/2011/main" val="1"/>
+              <ma14:placeholderFlag xmlns:ma14="http://schemas.microsoft.com/office/mac/drawingml/2011/main" xmlns="" val="1"/>
             </a:ext>
           </a:extLst>
         </p:spPr>
@@ -4572,14 +4575,14 @@
           <a:effectLst/>
           <a:extLst>
             <a:ext uri="{909E8E84-426E-40dd-AFC4-6F175D3DCCD1}">
-              <a14:hiddenFill xmlns="" xmlns:a14="http://schemas.microsoft.com/office/drawing/2010/main">
+              <a14:hiddenFill xmlns:a14="http://schemas.microsoft.com/office/drawing/2010/main" xmlns="">
                 <a:solidFill>
                   <a:schemeClr val="accent1"/>
                 </a:solidFill>
               </a14:hiddenFill>
             </a:ext>
             <a:ext uri="{91240B29-F687-4f45-9708-019B960494DF}">
-              <a14:hiddenLine xmlns="" xmlns:a14="http://schemas.microsoft.com/office/drawing/2010/main" w="9525">
+              <a14:hiddenLine xmlns:a14="http://schemas.microsoft.com/office/drawing/2010/main" xmlns="" w="9525">
                 <a:solidFill>
                   <a:schemeClr val="tx1"/>
                 </a:solidFill>
@@ -4589,7 +4592,7 @@
               </a14:hiddenLine>
             </a:ext>
             <a:ext uri="{AF507438-7753-43e0-B8FC-AC1667EBCBE1}">
-              <a14:hiddenEffects xmlns="" xmlns:a14="http://schemas.microsoft.com/office/drawing/2010/main">
+              <a14:hiddenEffects xmlns:a14="http://schemas.microsoft.com/office/drawing/2010/main" xmlns="">
                 <a:effectLst>
                   <a:outerShdw blurRad="63500" dist="38099" dir="2700000" algn="ctr" rotWithShape="0">
                     <a:schemeClr val="bg2">
@@ -4600,7 +4603,7 @@
               </a14:hiddenEffects>
             </a:ext>
             <a:ext uri="{FAA26D3D-D897-4be2-8F04-BA451C77F1D7}">
-              <ma14:placeholderFlag xmlns="" xmlns:ma14="http://schemas.microsoft.com/office/mac/drawingml/2011/main" val="1"/>
+              <ma14:placeholderFlag xmlns:ma14="http://schemas.microsoft.com/office/mac/drawingml/2011/main" xmlns="" val="1"/>
             </a:ext>
           </a:extLst>
         </p:spPr>
@@ -4659,12 +4662,12 @@
           <a:effectLst/>
           <a:extLst>
             <a:ext uri="{909E8E84-426E-40dd-AFC4-6F175D3DCCD1}">
-              <a14:hiddenFill xmlns="" xmlns:a14="http://schemas.microsoft.com/office/drawing/2010/main">
+              <a14:hiddenFill xmlns:a14="http://schemas.microsoft.com/office/drawing/2010/main" xmlns="">
                 <a:noFill/>
               </a14:hiddenFill>
             </a:ext>
             <a:ext uri="{AF507438-7753-43e0-B8FC-AC1667EBCBE1}">
-              <a14:hiddenEffects xmlns="" xmlns:a14="http://schemas.microsoft.com/office/drawing/2010/main">
+              <a14:hiddenEffects xmlns:a14="http://schemas.microsoft.com/office/drawing/2010/main" xmlns="">
                 <a:effectLst>
                   <a:outerShdw blurRad="63500" dist="38099" dir="2700000" algn="ctr" rotWithShape="0">
                     <a:schemeClr val="bg2">
@@ -5661,7 +5664,7 @@
             <a:effectLst/>
             <a:extLst>
               <a:ext uri="{AF507438-7753-43e0-B8FC-AC1667EBCBE1}">
-                <a14:hiddenEffects xmlns="" xmlns:a14="http://schemas.microsoft.com/office/drawing/2010/main">
+                <a14:hiddenEffects xmlns:a14="http://schemas.microsoft.com/office/drawing/2010/main" xmlns="">
                   <a:effectLst>
                     <a:outerShdw blurRad="63500" dist="38099" dir="2700000" algn="ctr" rotWithShape="0">
                       <a:schemeClr val="bg2">
@@ -5766,7 +5769,7 @@
               <a:effectLst/>
               <a:extLst>
                 <a:ext uri="{AF507438-7753-43e0-B8FC-AC1667EBCBE1}">
-                  <a14:hiddenEffects xmlns="" xmlns:a14="http://schemas.microsoft.com/office/drawing/2010/main">
+                  <a14:hiddenEffects xmlns:a14="http://schemas.microsoft.com/office/drawing/2010/main" xmlns="">
                     <a:effectLst>
                       <a:outerShdw blurRad="63500" dist="38099" dir="2700000" algn="ctr" rotWithShape="0">
                         <a:schemeClr val="bg2">
@@ -5911,7 +5914,7 @@
               <a:effectLst/>
               <a:extLst>
                 <a:ext uri="{AF507438-7753-43e0-B8FC-AC1667EBCBE1}">
-                  <a14:hiddenEffects xmlns="" xmlns:a14="http://schemas.microsoft.com/office/drawing/2010/main">
+                  <a14:hiddenEffects xmlns:a14="http://schemas.microsoft.com/office/drawing/2010/main" xmlns="">
                     <a:effectLst>
                       <a:outerShdw blurRad="63500" dist="38099" dir="2700000" algn="ctr" rotWithShape="0">
                         <a:schemeClr val="bg2">
@@ -6061,7 +6064,7 @@
               <a:effectLst/>
               <a:extLst>
                 <a:ext uri="{AF507438-7753-43e0-B8FC-AC1667EBCBE1}">
-                  <a14:hiddenEffects xmlns="" xmlns:a14="http://schemas.microsoft.com/office/drawing/2010/main">
+                  <a14:hiddenEffects xmlns:a14="http://schemas.microsoft.com/office/drawing/2010/main" xmlns="">
                     <a:effectLst>
                       <a:outerShdw blurRad="63500" dist="38099" dir="2700000" algn="ctr" rotWithShape="0">
                         <a:schemeClr val="bg2">
@@ -6130,7 +6133,7 @@
               <a:effectLst/>
               <a:extLst>
                 <a:ext uri="{AF507438-7753-43e0-B8FC-AC1667EBCBE1}">
-                  <a14:hiddenEffects xmlns="" xmlns:a14="http://schemas.microsoft.com/office/drawing/2010/main">
+                  <a14:hiddenEffects xmlns:a14="http://schemas.microsoft.com/office/drawing/2010/main" xmlns="">
                     <a:effectLst>
                       <a:outerShdw blurRad="63500" dist="38099" dir="2700000" algn="ctr" rotWithShape="0">
                         <a:schemeClr val="bg2">
@@ -6275,7 +6278,7 @@
               <a:effectLst/>
               <a:extLst>
                 <a:ext uri="{AF507438-7753-43e0-B8FC-AC1667EBCBE1}">
-                  <a14:hiddenEffects xmlns="" xmlns:a14="http://schemas.microsoft.com/office/drawing/2010/main">
+                  <a14:hiddenEffects xmlns:a14="http://schemas.microsoft.com/office/drawing/2010/main" xmlns="">
                     <a:effectLst>
                       <a:outerShdw blurRad="63500" dist="38099" dir="2700000" algn="ctr" rotWithShape="0">
                         <a:schemeClr val="bg2">
@@ -6445,7 +6448,7 @@
               <a:effectLst/>
               <a:extLst>
                 <a:ext uri="{AF507438-7753-43e0-B8FC-AC1667EBCBE1}">
-                  <a14:hiddenEffects xmlns="" xmlns:a14="http://schemas.microsoft.com/office/drawing/2010/main">
+                  <a14:hiddenEffects xmlns:a14="http://schemas.microsoft.com/office/drawing/2010/main" xmlns="">
                     <a:effectLst>
                       <a:outerShdw blurRad="63500" dist="38099" dir="2700000" algn="ctr" rotWithShape="0">
                         <a:schemeClr val="bg2">
@@ -6514,7 +6517,7 @@
               <a:effectLst/>
               <a:extLst>
                 <a:ext uri="{AF507438-7753-43e0-B8FC-AC1667EBCBE1}">
-                  <a14:hiddenEffects xmlns="" xmlns:a14="http://schemas.microsoft.com/office/drawing/2010/main">
+                  <a14:hiddenEffects xmlns:a14="http://schemas.microsoft.com/office/drawing/2010/main" xmlns="">
                     <a:effectLst>
                       <a:outerShdw blurRad="63500" dist="38099" dir="2700000" algn="ctr" rotWithShape="0">
                         <a:schemeClr val="bg2">
@@ -6659,7 +6662,7 @@
               <a:effectLst/>
               <a:extLst>
                 <a:ext uri="{AF507438-7753-43e0-B8FC-AC1667EBCBE1}">
-                  <a14:hiddenEffects xmlns="" xmlns:a14="http://schemas.microsoft.com/office/drawing/2010/main">
+                  <a14:hiddenEffects xmlns:a14="http://schemas.microsoft.com/office/drawing/2010/main" xmlns="">
                     <a:effectLst>
                       <a:outerShdw blurRad="63500" dist="38099" dir="2700000" algn="ctr" rotWithShape="0">
                         <a:schemeClr val="bg2">
@@ -6809,7 +6812,7 @@
               <a:effectLst/>
               <a:extLst>
                 <a:ext uri="{AF507438-7753-43e0-B8FC-AC1667EBCBE1}">
-                  <a14:hiddenEffects xmlns="" xmlns:a14="http://schemas.microsoft.com/office/drawing/2010/main">
+                  <a14:hiddenEffects xmlns:a14="http://schemas.microsoft.com/office/drawing/2010/main" xmlns="">
                     <a:effectLst>
                       <a:outerShdw blurRad="63500" dist="38099" dir="2700000" algn="ctr" rotWithShape="0">
                         <a:schemeClr val="bg2">
@@ -6858,7 +6861,7 @@
             <a:effectLst/>
             <a:extLst>
               <a:ext uri="{AF507438-7753-43e0-B8FC-AC1667EBCBE1}">
-                <a14:hiddenEffects xmlns="" xmlns:a14="http://schemas.microsoft.com/office/drawing/2010/main">
+                <a14:hiddenEffects xmlns:a14="http://schemas.microsoft.com/office/drawing/2010/main" xmlns="">
                   <a:effectLst>
                     <a:outerShdw blurRad="63500" dist="38099" dir="2700000" algn="ctr" rotWithShape="0">
                       <a:schemeClr val="bg2">
@@ -6943,7 +6946,7 @@
             <a:effectLst/>
             <a:extLst>
               <a:ext uri="{AF507438-7753-43e0-B8FC-AC1667EBCBE1}">
-                <a14:hiddenEffects xmlns="" xmlns:a14="http://schemas.microsoft.com/office/drawing/2010/main">
+                <a14:hiddenEffects xmlns:a14="http://schemas.microsoft.com/office/drawing/2010/main" xmlns="">
                   <a:effectLst>
                     <a:outerShdw blurRad="63500" dist="38099" dir="2700000" algn="ctr" rotWithShape="0">
                       <a:schemeClr val="bg2">
@@ -7028,7 +7031,7 @@
             <a:effectLst/>
             <a:extLst>
               <a:ext uri="{AF507438-7753-43e0-B8FC-AC1667EBCBE1}">
-                <a14:hiddenEffects xmlns="" xmlns:a14="http://schemas.microsoft.com/office/drawing/2010/main">
+                <a14:hiddenEffects xmlns:a14="http://schemas.microsoft.com/office/drawing/2010/main" xmlns="">
                   <a:effectLst>
                     <a:outerShdw blurRad="63500" dist="38099" dir="2700000" algn="ctr" rotWithShape="0">
                       <a:schemeClr val="bg2">
@@ -7437,7 +7440,7 @@
           <a:effectLst/>
           <a:extLst>
             <a:ext uri="{AF507438-7753-43e0-B8FC-AC1667EBCBE1}">
-              <a14:hiddenEffects xmlns:a14="http://schemas.microsoft.com/office/drawing/2010/main" xmlns="">
+              <a14:hiddenEffects xmlns="" xmlns:a14="http://schemas.microsoft.com/office/drawing/2010/main">
                 <a:effectLst>
                   <a:outerShdw blurRad="63500" dist="38099" dir="2700000" algn="ctr" rotWithShape="0">
                     <a:schemeClr val="bg2">
@@ -7761,7 +7764,7 @@
           <a:effectLst/>
           <a:extLst>
             <a:ext uri="{AF507438-7753-43e0-B8FC-AC1667EBCBE1}">
-              <a14:hiddenEffects xmlns:a14="http://schemas.microsoft.com/office/drawing/2010/main" xmlns="">
+              <a14:hiddenEffects xmlns="" xmlns:a14="http://schemas.microsoft.com/office/drawing/2010/main">
                 <a:effectLst>
                   <a:outerShdw blurRad="63500" dist="38099" dir="2700000" algn="ctr" rotWithShape="0">
                     <a:schemeClr val="bg2">
@@ -7815,6 +7818,813 @@
     <p:extLst>
       <p:ext uri="{BB962C8B-B14F-4D97-AF65-F5344CB8AC3E}">
         <p14:creationId xmlns:p14="http://schemas.microsoft.com/office/powerpoint/2010/main" val="1171646282"/>
+      </p:ext>
+    </p:extLst>
+  </p:cSld>
+  <p:clrMapOvr>
+    <a:masterClrMapping/>
+  </p:clrMapOvr>
+</p:sld>
+</file>
+
+<file path=ppt/slides/slide16.xml><?xml version="1.0" encoding="utf-8"?>
+<p:sld xmlns:a="http://schemas.openxmlformats.org/drawingml/2006/main" xmlns:r="http://schemas.openxmlformats.org/officeDocument/2006/relationships" xmlns:p="http://schemas.openxmlformats.org/presentationml/2006/main">
+  <p:cSld>
+    <p:spTree>
+      <p:nvGrpSpPr>
+        <p:cNvPr id="1" name=""/>
+        <p:cNvGrpSpPr/>
+        <p:nvPr/>
+      </p:nvGrpSpPr>
+      <p:grpSpPr>
+        <a:xfrm>
+          <a:off x="0" y="0"/>
+          <a:ext cx="0" cy="0"/>
+          <a:chOff x="0" y="0"/>
+          <a:chExt cx="0" cy="0"/>
+        </a:xfrm>
+      </p:grpSpPr>
+      <p:sp>
+        <p:nvSpPr>
+          <p:cNvPr id="2" name="Title 1">
+            <a:extLst>
+              <a:ext uri="{FF2B5EF4-FFF2-40B4-BE49-F238E27FC236}">
+                <a16:creationId xmlns:a16="http://schemas.microsoft.com/office/drawing/2014/main" id="{BFC827A6-4A53-0549-A58A-F8A14AC2D853}"/>
+              </a:ext>
+            </a:extLst>
+          </p:cNvPr>
+          <p:cNvSpPr>
+            <a:spLocks noGrp="1"/>
+          </p:cNvSpPr>
+          <p:nvPr>
+            <p:ph type="title"/>
+          </p:nvPr>
+        </p:nvSpPr>
+        <p:spPr/>
+        <p:txBody>
+          <a:bodyPr/>
+          <a:lstStyle/>
+          <a:p>
+            <a:r>
+              <a:rPr lang="en-US" dirty="0"/>
+              <a:t>Another Look at Multi-Dispatch</a:t>
+            </a:r>
+          </a:p>
+        </p:txBody>
+      </p:sp>
+      <p:sp>
+        <p:nvSpPr>
+          <p:cNvPr id="3" name="Content Placeholder 2">
+            <a:extLst>
+              <a:ext uri="{FF2B5EF4-FFF2-40B4-BE49-F238E27FC236}">
+                <a16:creationId xmlns:a16="http://schemas.microsoft.com/office/drawing/2014/main" id="{13405E10-53BD-D74D-9BF2-7C9E8418DAB3}"/>
+              </a:ext>
+            </a:extLst>
+          </p:cNvPr>
+          <p:cNvSpPr>
+            <a:spLocks noGrp="1"/>
+          </p:cNvSpPr>
+          <p:nvPr>
+            <p:ph idx="1"/>
+          </p:nvPr>
+        </p:nvSpPr>
+        <p:spPr/>
+        <p:txBody>
+          <a:bodyPr/>
+          <a:lstStyle/>
+          <a:p>
+            <a:r>
+              <a:rPr lang="en-US" dirty="0"/>
+              <a:t>If we interpret certain patterns as types, then multi-dispatch can take on two particular forms:</a:t>
+            </a:r>
+          </a:p>
+          <a:p>
+            <a:pPr lvl="1"/>
+            <a:r>
+              <a:rPr lang="en-US" dirty="0"/>
+              <a:t>Case analysis over a </a:t>
+            </a:r>
+            <a:r>
+              <a:rPr lang="en-US" b="1" dirty="0"/>
+              <a:t>single type </a:t>
+            </a:r>
+            <a:r>
+              <a:rPr lang="en-US" dirty="0"/>
+              <a:t>in the functional programming sense</a:t>
+            </a:r>
+          </a:p>
+          <a:p>
+            <a:pPr lvl="2"/>
+            <a:r>
+              <a:rPr lang="en-US" dirty="0"/>
+              <a:t>E.g. case analysis on a list in recursive programs</a:t>
+            </a:r>
+          </a:p>
+          <a:p>
+            <a:pPr lvl="1"/>
+            <a:r>
+              <a:rPr lang="en-US" dirty="0"/>
+              <a:t>Case analysis over </a:t>
+            </a:r>
+            <a:r>
+              <a:rPr lang="en-US" b="1" dirty="0"/>
+              <a:t>multiple types </a:t>
+            </a:r>
+            <a:r>
+              <a:rPr lang="en-US" dirty="0"/>
+              <a:t>giving rise to overloaded functions</a:t>
+            </a:r>
+          </a:p>
+        </p:txBody>
+      </p:sp>
+    </p:spTree>
+    <p:extLst>
+      <p:ext uri="{BB962C8B-B14F-4D97-AF65-F5344CB8AC3E}">
+        <p14:creationId xmlns:p14="http://schemas.microsoft.com/office/powerpoint/2010/main" val="3190885378"/>
+      </p:ext>
+    </p:extLst>
+  </p:cSld>
+  <p:clrMapOvr>
+    <a:masterClrMapping/>
+  </p:clrMapOvr>
+</p:sld>
+</file>
+
+<file path=ppt/slides/slide17.xml><?xml version="1.0" encoding="utf-8"?>
+<p:sld xmlns:a="http://schemas.openxmlformats.org/drawingml/2006/main" xmlns:r="http://schemas.openxmlformats.org/officeDocument/2006/relationships" xmlns:p="http://schemas.openxmlformats.org/presentationml/2006/main">
+  <p:cSld>
+    <p:spTree>
+      <p:nvGrpSpPr>
+        <p:cNvPr id="1" name=""/>
+        <p:cNvGrpSpPr/>
+        <p:nvPr/>
+      </p:nvGrpSpPr>
+      <p:grpSpPr>
+        <a:xfrm>
+          <a:off x="0" y="0"/>
+          <a:ext cx="0" cy="0"/>
+          <a:chOff x="0" y="0"/>
+          <a:chExt cx="0" cy="0"/>
+        </a:xfrm>
+      </p:grpSpPr>
+      <p:sp>
+        <p:nvSpPr>
+          <p:cNvPr id="2" name="Title 1">
+            <a:extLst>
+              <a:ext uri="{FF2B5EF4-FFF2-40B4-BE49-F238E27FC236}">
+                <a16:creationId xmlns:a16="http://schemas.microsoft.com/office/drawing/2014/main" id="{894A0A84-3AD4-A240-A7AF-9E52606AFCD2}"/>
+              </a:ext>
+            </a:extLst>
+          </p:cNvPr>
+          <p:cNvSpPr>
+            <a:spLocks noGrp="1"/>
+          </p:cNvSpPr>
+          <p:nvPr>
+            <p:ph type="title"/>
+          </p:nvPr>
+        </p:nvSpPr>
+        <p:spPr/>
+        <p:txBody>
+          <a:bodyPr/>
+          <a:lstStyle/>
+          <a:p>
+            <a:r>
+              <a:rPr lang="en-US" dirty="0"/>
+              <a:t>Functional Programming</a:t>
+            </a:r>
+          </a:p>
+        </p:txBody>
+      </p:sp>
+      <p:sp>
+        <p:nvSpPr>
+          <p:cNvPr id="3" name="Content Placeholder 2">
+            <a:extLst>
+              <a:ext uri="{FF2B5EF4-FFF2-40B4-BE49-F238E27FC236}">
+                <a16:creationId xmlns:a16="http://schemas.microsoft.com/office/drawing/2014/main" id="{01474C1B-BD5E-8B4F-A477-8BBDA734738F}"/>
+              </a:ext>
+            </a:extLst>
+          </p:cNvPr>
+          <p:cNvSpPr>
+            <a:spLocks noGrp="1"/>
+          </p:cNvSpPr>
+          <p:nvPr>
+            <p:ph idx="1"/>
+          </p:nvPr>
+        </p:nvSpPr>
+        <p:spPr>
+          <a:xfrm>
+            <a:off x="1524000" y="1905000"/>
+            <a:ext cx="7010400" cy="1447800"/>
+          </a:xfrm>
+        </p:spPr>
+        <p:txBody>
+          <a:bodyPr>
+            <a:normAutofit lnSpcReduction="10000"/>
+          </a:bodyPr>
+          <a:lstStyle/>
+          <a:p>
+            <a:r>
+              <a:rPr lang="en-US" dirty="0"/>
+              <a:t>In the example below we use multi-dispatch to do a case analysis on the  %</a:t>
+            </a:r>
+            <a:r>
+              <a:rPr lang="en-US" dirty="0" err="1"/>
+              <a:t>Int_List</a:t>
+            </a:r>
+            <a:r>
+              <a:rPr lang="en-US" dirty="0"/>
+              <a:t> type</a:t>
+            </a:r>
+          </a:p>
+        </p:txBody>
+      </p:sp>
+      <p:sp>
+        <p:nvSpPr>
+          <p:cNvPr id="6" name="TextBox 5">
+            <a:extLst>
+              <a:ext uri="{FF2B5EF4-FFF2-40B4-BE49-F238E27FC236}">
+                <a16:creationId xmlns:a16="http://schemas.microsoft.com/office/drawing/2014/main" id="{53CBA592-1E0C-0A45-AC0D-E49F2920C85C}"/>
+              </a:ext>
+            </a:extLst>
+          </p:cNvPr>
+          <p:cNvSpPr txBox="1"/>
+          <p:nvPr/>
+        </p:nvSpPr>
+        <p:spPr>
+          <a:xfrm>
+            <a:off x="2888166" y="6397823"/>
+            <a:ext cx="1199367" cy="307777"/>
+          </a:xfrm>
+          <a:prstGeom prst="rect">
+            <a:avLst/>
+          </a:prstGeom>
+          <a:noFill/>
+        </p:spPr>
+        <p:txBody>
+          <a:bodyPr wrap="none" rtlCol="0">
+            <a:spAutoFit/>
+          </a:bodyPr>
+          <a:lstStyle/>
+          <a:p>
+            <a:r>
+              <a:rPr lang="en-US" sz="1400" dirty="0"/>
+              <a:t>ln016/</a:t>
+            </a:r>
+            <a:r>
+              <a:rPr lang="en-US" sz="1400" dirty="0" err="1"/>
+              <a:t>len.ast</a:t>
+            </a:r>
+            <a:endParaRPr lang="en-US" sz="1400" dirty="0"/>
+          </a:p>
+        </p:txBody>
+      </p:sp>
+      <p:pic>
+        <p:nvPicPr>
+          <p:cNvPr id="7" name="Picture 6">
+            <a:extLst>
+              <a:ext uri="{FF2B5EF4-FFF2-40B4-BE49-F238E27FC236}">
+                <a16:creationId xmlns:a16="http://schemas.microsoft.com/office/drawing/2014/main" id="{0BA13D16-167A-AB44-B859-15A37302960B}"/>
+              </a:ext>
+            </a:extLst>
+          </p:cNvPr>
+          <p:cNvPicPr>
+            <a:picLocks noChangeAspect="1"/>
+          </p:cNvPicPr>
+          <p:nvPr/>
+        </p:nvPicPr>
+        <p:blipFill>
+          <a:blip r:embed="rId2"/>
+          <a:stretch>
+            <a:fillRect/>
+          </a:stretch>
+        </p:blipFill>
+        <p:spPr>
+          <a:xfrm>
+            <a:off x="438150" y="3403045"/>
+            <a:ext cx="8172450" cy="2997755"/>
+          </a:xfrm>
+          <a:prstGeom prst="rect">
+            <a:avLst/>
+          </a:prstGeom>
+          <a:ln>
+            <a:solidFill>
+              <a:schemeClr val="tx2"/>
+            </a:solidFill>
+          </a:ln>
+        </p:spPr>
+      </p:pic>
+      <p:sp>
+        <p:nvSpPr>
+          <p:cNvPr id="8" name="Left Arrow 7">
+            <a:extLst>
+              <a:ext uri="{FF2B5EF4-FFF2-40B4-BE49-F238E27FC236}">
+                <a16:creationId xmlns:a16="http://schemas.microsoft.com/office/drawing/2014/main" id="{C2BDE99F-D16C-BA4C-BBB0-171A4F3BEAD4}"/>
+              </a:ext>
+            </a:extLst>
+          </p:cNvPr>
+          <p:cNvSpPr/>
+          <p:nvPr/>
+        </p:nvSpPr>
+        <p:spPr bwMode="auto">
+          <a:xfrm>
+            <a:off x="3200400" y="4495800"/>
+            <a:ext cx="533400" cy="228600"/>
+          </a:xfrm>
+          <a:prstGeom prst="leftArrow">
+            <a:avLst/>
+          </a:prstGeom>
+          <a:solidFill>
+            <a:srgbClr val="FF0000"/>
+          </a:solidFill>
+          <a:ln w="9525" cap="flat" cmpd="sng" algn="ctr">
+            <a:solidFill>
+              <a:schemeClr val="tx1"/>
+            </a:solidFill>
+            <a:prstDash val="solid"/>
+            <a:round/>
+            <a:headEnd type="none" w="med" len="med"/>
+            <a:tailEnd type="none" w="med" len="med"/>
+          </a:ln>
+          <a:effectLst/>
+          <a:extLst>
+            <a:ext uri="{AF507438-7753-43e0-B8FC-AC1667EBCBE1}">
+              <a14:hiddenEffects xmlns="" xmlns:a14="http://schemas.microsoft.com/office/drawing/2010/main">
+                <a:effectLst>
+                  <a:outerShdw blurRad="63500" dist="38099" dir="2700000" algn="ctr" rotWithShape="0">
+                    <a:schemeClr val="bg2">
+                      <a:alpha val="74998"/>
+                    </a:schemeClr>
+                  </a:outerShdw>
+                </a:effectLst>
+              </a14:hiddenEffects>
+            </a:ext>
+          </a:extLst>
+        </p:spPr>
+        <p:txBody>
+          <a:bodyPr vert="horz" wrap="square" lIns="91440" tIns="45720" rIns="91440" bIns="45720" numCol="1" rtlCol="0" anchor="t" anchorCtr="0" compatLnSpc="1">
+            <a:prstTxWarp prst="textNoShape">
+              <a:avLst/>
+            </a:prstTxWarp>
+          </a:bodyPr>
+          <a:lstStyle/>
+          <a:p>
+            <a:pPr marL="0" marR="0" indent="0" algn="l" defTabSz="914400" rtl="0" eaLnBrk="0" fontAlgn="base" latinLnBrk="0" hangingPunct="0">
+              <a:lnSpc>
+                <a:spcPct val="100000"/>
+              </a:lnSpc>
+              <a:spcBef>
+                <a:spcPct val="0"/>
+              </a:spcBef>
+              <a:spcAft>
+                <a:spcPct val="0"/>
+              </a:spcAft>
+              <a:buClrTx/>
+              <a:buSzTx/>
+              <a:buFontTx/>
+              <a:buNone/>
+              <a:tabLst/>
+            </a:pPr>
+            <a:endParaRPr kumimoji="0" lang="en-US" sz="1600" b="0" i="0" u="none" strike="noStrike" cap="none" normalizeH="0" baseline="0">
+              <a:ln>
+                <a:noFill/>
+              </a:ln>
+              <a:solidFill>
+                <a:srgbClr val="000000"/>
+              </a:solidFill>
+              <a:effectLst/>
+              <a:latin typeface="Arial" charset="0"/>
+              <a:ea typeface="ＭＳ Ｐゴシック" charset="0"/>
+            </a:endParaRPr>
+          </a:p>
+        </p:txBody>
+      </p:sp>
+      <p:sp>
+        <p:nvSpPr>
+          <p:cNvPr id="9" name="Left Arrow 8">
+            <a:extLst>
+              <a:ext uri="{FF2B5EF4-FFF2-40B4-BE49-F238E27FC236}">
+                <a16:creationId xmlns:a16="http://schemas.microsoft.com/office/drawing/2014/main" id="{83983D51-4C68-5A49-BDD9-9E7AE975C2C0}"/>
+              </a:ext>
+            </a:extLst>
+          </p:cNvPr>
+          <p:cNvSpPr/>
+          <p:nvPr/>
+        </p:nvSpPr>
+        <p:spPr bwMode="auto">
+          <a:xfrm>
+            <a:off x="3810000" y="5029200"/>
+            <a:ext cx="533400" cy="228600"/>
+          </a:xfrm>
+          <a:prstGeom prst="leftArrow">
+            <a:avLst/>
+          </a:prstGeom>
+          <a:solidFill>
+            <a:srgbClr val="FF0000"/>
+          </a:solidFill>
+          <a:ln w="9525" cap="flat" cmpd="sng" algn="ctr">
+            <a:solidFill>
+              <a:schemeClr val="tx1"/>
+            </a:solidFill>
+            <a:prstDash val="solid"/>
+            <a:round/>
+            <a:headEnd type="none" w="med" len="med"/>
+            <a:tailEnd type="none" w="med" len="med"/>
+          </a:ln>
+          <a:effectLst/>
+          <a:extLst>
+            <a:ext uri="{AF507438-7753-43e0-B8FC-AC1667EBCBE1}">
+              <a14:hiddenEffects xmlns="" xmlns:a14="http://schemas.microsoft.com/office/drawing/2010/main">
+                <a:effectLst>
+                  <a:outerShdw blurRad="63500" dist="38099" dir="2700000" algn="ctr" rotWithShape="0">
+                    <a:schemeClr val="bg2">
+                      <a:alpha val="74998"/>
+                    </a:schemeClr>
+                  </a:outerShdw>
+                </a:effectLst>
+              </a14:hiddenEffects>
+            </a:ext>
+          </a:extLst>
+        </p:spPr>
+        <p:txBody>
+          <a:bodyPr vert="horz" wrap="square" lIns="91440" tIns="45720" rIns="91440" bIns="45720" numCol="1" rtlCol="0" anchor="t" anchorCtr="0" compatLnSpc="1">
+            <a:prstTxWarp prst="textNoShape">
+              <a:avLst/>
+            </a:prstTxWarp>
+          </a:bodyPr>
+          <a:lstStyle/>
+          <a:p>
+            <a:pPr marL="0" marR="0" indent="0" algn="l" defTabSz="914400" rtl="0" eaLnBrk="0" fontAlgn="base" latinLnBrk="0" hangingPunct="0">
+              <a:lnSpc>
+                <a:spcPct val="100000"/>
+              </a:lnSpc>
+              <a:spcBef>
+                <a:spcPct val="0"/>
+              </a:spcBef>
+              <a:spcAft>
+                <a:spcPct val="0"/>
+              </a:spcAft>
+              <a:buClrTx/>
+              <a:buSzTx/>
+              <a:buFontTx/>
+              <a:buNone/>
+              <a:tabLst/>
+            </a:pPr>
+            <a:endParaRPr kumimoji="0" lang="en-US" sz="1600" b="0" i="0" u="none" strike="noStrike" cap="none" normalizeH="0" baseline="0">
+              <a:ln>
+                <a:noFill/>
+              </a:ln>
+              <a:solidFill>
+                <a:srgbClr val="000000"/>
+              </a:solidFill>
+              <a:effectLst/>
+              <a:latin typeface="Arial" charset="0"/>
+              <a:ea typeface="ＭＳ Ｐゴシック" charset="0"/>
+            </a:endParaRPr>
+          </a:p>
+        </p:txBody>
+      </p:sp>
+    </p:spTree>
+    <p:extLst>
+      <p:ext uri="{BB962C8B-B14F-4D97-AF65-F5344CB8AC3E}">
+        <p14:creationId xmlns:p14="http://schemas.microsoft.com/office/powerpoint/2010/main" val="3824849060"/>
+      </p:ext>
+    </p:extLst>
+  </p:cSld>
+  <p:clrMapOvr>
+    <a:masterClrMapping/>
+  </p:clrMapOvr>
+</p:sld>
+</file>
+
+<file path=ppt/slides/slide18.xml><?xml version="1.0" encoding="utf-8"?>
+<p:sld xmlns:a="http://schemas.openxmlformats.org/drawingml/2006/main" xmlns:r="http://schemas.openxmlformats.org/officeDocument/2006/relationships" xmlns:p="http://schemas.openxmlformats.org/presentationml/2006/main">
+  <p:cSld>
+    <p:spTree>
+      <p:nvGrpSpPr>
+        <p:cNvPr id="1" name=""/>
+        <p:cNvGrpSpPr/>
+        <p:nvPr/>
+      </p:nvGrpSpPr>
+      <p:grpSpPr>
+        <a:xfrm>
+          <a:off x="0" y="0"/>
+          <a:ext cx="0" cy="0"/>
+          <a:chOff x="0" y="0"/>
+          <a:chExt cx="0" cy="0"/>
+        </a:xfrm>
+      </p:grpSpPr>
+      <p:sp>
+        <p:nvSpPr>
+          <p:cNvPr id="2" name="Title 1">
+            <a:extLst>
+              <a:ext uri="{FF2B5EF4-FFF2-40B4-BE49-F238E27FC236}">
+                <a16:creationId xmlns:a16="http://schemas.microsoft.com/office/drawing/2014/main" id="{894A0A84-3AD4-A240-A7AF-9E52606AFCD2}"/>
+              </a:ext>
+            </a:extLst>
+          </p:cNvPr>
+          <p:cNvSpPr>
+            <a:spLocks noGrp="1"/>
+          </p:cNvSpPr>
+          <p:nvPr>
+            <p:ph type="title"/>
+          </p:nvPr>
+        </p:nvSpPr>
+        <p:spPr/>
+        <p:txBody>
+          <a:bodyPr/>
+          <a:lstStyle/>
+          <a:p>
+            <a:r>
+              <a:rPr lang="en-US" dirty="0"/>
+              <a:t>Overloaded Functions</a:t>
+            </a:r>
+          </a:p>
+        </p:txBody>
+      </p:sp>
+      <p:sp>
+        <p:nvSpPr>
+          <p:cNvPr id="3" name="Content Placeholder 2">
+            <a:extLst>
+              <a:ext uri="{FF2B5EF4-FFF2-40B4-BE49-F238E27FC236}">
+                <a16:creationId xmlns:a16="http://schemas.microsoft.com/office/drawing/2014/main" id="{01474C1B-BD5E-8B4F-A477-8BBDA734738F}"/>
+              </a:ext>
+            </a:extLst>
+          </p:cNvPr>
+          <p:cNvSpPr>
+            <a:spLocks noGrp="1"/>
+          </p:cNvSpPr>
+          <p:nvPr>
+            <p:ph sz="half" idx="1"/>
+          </p:nvPr>
+        </p:nvSpPr>
+        <p:spPr>
+          <a:xfrm>
+            <a:off x="5638800" y="1940698"/>
+            <a:ext cx="3200400" cy="3317102"/>
+          </a:xfrm>
+        </p:spPr>
+        <p:txBody>
+          <a:bodyPr>
+            <a:normAutofit fontScale="92500"/>
+          </a:bodyPr>
+          <a:lstStyle/>
+          <a:p>
+            <a:r>
+              <a:rPr lang="en-US" dirty="0"/>
+              <a:t>In this example we use multi-dispatch to define an overloaded function accepting types %Rectangle and %Circle.</a:t>
+            </a:r>
+          </a:p>
+        </p:txBody>
+      </p:sp>
+      <p:sp>
+        <p:nvSpPr>
+          <p:cNvPr id="6" name="TextBox 5">
+            <a:extLst>
+              <a:ext uri="{FF2B5EF4-FFF2-40B4-BE49-F238E27FC236}">
+                <a16:creationId xmlns:a16="http://schemas.microsoft.com/office/drawing/2014/main" id="{53CBA592-1E0C-0A45-AC0D-E49F2920C85C}"/>
+              </a:ext>
+            </a:extLst>
+          </p:cNvPr>
+          <p:cNvSpPr txBox="1"/>
+          <p:nvPr/>
+        </p:nvSpPr>
+        <p:spPr>
+          <a:xfrm>
+            <a:off x="6268233" y="6200078"/>
+            <a:ext cx="1646605" cy="307777"/>
+          </a:xfrm>
+          <a:prstGeom prst="rect">
+            <a:avLst/>
+          </a:prstGeom>
+          <a:noFill/>
+        </p:spPr>
+        <p:txBody>
+          <a:bodyPr wrap="none" rtlCol="0">
+            <a:spAutoFit/>
+          </a:bodyPr>
+          <a:lstStyle/>
+          <a:p>
+            <a:r>
+              <a:rPr lang="en-US" sz="1400" dirty="0"/>
+              <a:t>ln016/</a:t>
+            </a:r>
+            <a:r>
+              <a:rPr lang="en-US" sz="1400" dirty="0" err="1"/>
+              <a:t>overload.ast</a:t>
+            </a:r>
+            <a:endParaRPr lang="en-US" sz="1400" dirty="0"/>
+          </a:p>
+        </p:txBody>
+      </p:sp>
+      <p:pic>
+        <p:nvPicPr>
+          <p:cNvPr id="7" name="Picture 6">
+            <a:extLst>
+              <a:ext uri="{FF2B5EF4-FFF2-40B4-BE49-F238E27FC236}">
+                <a16:creationId xmlns:a16="http://schemas.microsoft.com/office/drawing/2014/main" id="{5F37F1DF-8BCD-834B-B285-129C9BB82F0C}"/>
+              </a:ext>
+            </a:extLst>
+          </p:cNvPr>
+          <p:cNvPicPr>
+            <a:picLocks noChangeAspect="1"/>
+          </p:cNvPicPr>
+          <p:nvPr/>
+        </p:nvPicPr>
+        <p:blipFill>
+          <a:blip r:embed="rId2"/>
+          <a:stretch>
+            <a:fillRect/>
+          </a:stretch>
+        </p:blipFill>
+        <p:spPr>
+          <a:xfrm>
+            <a:off x="228600" y="1392542"/>
+            <a:ext cx="5369092" cy="4985585"/>
+          </a:xfrm>
+          <a:prstGeom prst="rect">
+            <a:avLst/>
+          </a:prstGeom>
+          <a:ln>
+            <a:solidFill>
+              <a:schemeClr val="tx2"/>
+            </a:solidFill>
+          </a:ln>
+        </p:spPr>
+      </p:pic>
+      <p:sp>
+        <p:nvSpPr>
+          <p:cNvPr id="8" name="Left Arrow 7">
+            <a:extLst>
+              <a:ext uri="{FF2B5EF4-FFF2-40B4-BE49-F238E27FC236}">
+                <a16:creationId xmlns:a16="http://schemas.microsoft.com/office/drawing/2014/main" id="{3E878820-01F2-C448-968A-F4A0D56AEE64}"/>
+              </a:ext>
+            </a:extLst>
+          </p:cNvPr>
+          <p:cNvSpPr/>
+          <p:nvPr/>
+        </p:nvSpPr>
+        <p:spPr bwMode="auto">
+          <a:xfrm>
+            <a:off x="2895600" y="4343400"/>
+            <a:ext cx="533400" cy="228600"/>
+          </a:xfrm>
+          <a:prstGeom prst="leftArrow">
+            <a:avLst/>
+          </a:prstGeom>
+          <a:solidFill>
+            <a:srgbClr val="FF0000"/>
+          </a:solidFill>
+          <a:ln w="9525" cap="flat" cmpd="sng" algn="ctr">
+            <a:solidFill>
+              <a:schemeClr val="tx1"/>
+            </a:solidFill>
+            <a:prstDash val="solid"/>
+            <a:round/>
+            <a:headEnd type="none" w="med" len="med"/>
+            <a:tailEnd type="none" w="med" len="med"/>
+          </a:ln>
+          <a:effectLst/>
+          <a:extLst>
+            <a:ext uri="{AF507438-7753-43e0-B8FC-AC1667EBCBE1}">
+              <a14:hiddenEffects xmlns="" xmlns:a14="http://schemas.microsoft.com/office/drawing/2010/main">
+                <a:effectLst>
+                  <a:outerShdw blurRad="63500" dist="38099" dir="2700000" algn="ctr" rotWithShape="0">
+                    <a:schemeClr val="bg2">
+                      <a:alpha val="74998"/>
+                    </a:schemeClr>
+                  </a:outerShdw>
+                </a:effectLst>
+              </a14:hiddenEffects>
+            </a:ext>
+          </a:extLst>
+        </p:spPr>
+        <p:txBody>
+          <a:bodyPr vert="horz" wrap="square" lIns="91440" tIns="45720" rIns="91440" bIns="45720" numCol="1" rtlCol="0" anchor="t" anchorCtr="0" compatLnSpc="1">
+            <a:prstTxWarp prst="textNoShape">
+              <a:avLst/>
+            </a:prstTxWarp>
+          </a:bodyPr>
+          <a:lstStyle/>
+          <a:p>
+            <a:pPr marL="0" marR="0" indent="0" algn="l" defTabSz="914400" rtl="0" eaLnBrk="0" fontAlgn="base" latinLnBrk="0" hangingPunct="0">
+              <a:lnSpc>
+                <a:spcPct val="100000"/>
+              </a:lnSpc>
+              <a:spcBef>
+                <a:spcPct val="0"/>
+              </a:spcBef>
+              <a:spcAft>
+                <a:spcPct val="0"/>
+              </a:spcAft>
+              <a:buClrTx/>
+              <a:buSzTx/>
+              <a:buFontTx/>
+              <a:buNone/>
+              <a:tabLst/>
+            </a:pPr>
+            <a:endParaRPr kumimoji="0" lang="en-US" sz="1600" b="0" i="0" u="none" strike="noStrike" cap="none" normalizeH="0" baseline="0">
+              <a:ln>
+                <a:noFill/>
+              </a:ln>
+              <a:solidFill>
+                <a:srgbClr val="000000"/>
+              </a:solidFill>
+              <a:effectLst/>
+              <a:latin typeface="Arial" charset="0"/>
+              <a:ea typeface="ＭＳ Ｐゴシック" charset="0"/>
+            </a:endParaRPr>
+          </a:p>
+        </p:txBody>
+      </p:sp>
+      <p:sp>
+        <p:nvSpPr>
+          <p:cNvPr id="9" name="Left Arrow 8">
+            <a:extLst>
+              <a:ext uri="{FF2B5EF4-FFF2-40B4-BE49-F238E27FC236}">
+                <a16:creationId xmlns:a16="http://schemas.microsoft.com/office/drawing/2014/main" id="{3330612B-E237-9B4E-BA18-951F4128E62C}"/>
+              </a:ext>
+            </a:extLst>
+          </p:cNvPr>
+          <p:cNvSpPr/>
+          <p:nvPr/>
+        </p:nvSpPr>
+        <p:spPr bwMode="auto">
+          <a:xfrm>
+            <a:off x="2646446" y="4800600"/>
+            <a:ext cx="533400" cy="228600"/>
+          </a:xfrm>
+          <a:prstGeom prst="leftArrow">
+            <a:avLst/>
+          </a:prstGeom>
+          <a:solidFill>
+            <a:srgbClr val="FF0000"/>
+          </a:solidFill>
+          <a:ln w="9525" cap="flat" cmpd="sng" algn="ctr">
+            <a:solidFill>
+              <a:schemeClr val="tx1"/>
+            </a:solidFill>
+            <a:prstDash val="solid"/>
+            <a:round/>
+            <a:headEnd type="none" w="med" len="med"/>
+            <a:tailEnd type="none" w="med" len="med"/>
+          </a:ln>
+          <a:effectLst/>
+          <a:extLst>
+            <a:ext uri="{AF507438-7753-43e0-B8FC-AC1667EBCBE1}">
+              <a14:hiddenEffects xmlns="" xmlns:a14="http://schemas.microsoft.com/office/drawing/2010/main">
+                <a:effectLst>
+                  <a:outerShdw blurRad="63500" dist="38099" dir="2700000" algn="ctr" rotWithShape="0">
+                    <a:schemeClr val="bg2">
+                      <a:alpha val="74998"/>
+                    </a:schemeClr>
+                  </a:outerShdw>
+                </a:effectLst>
+              </a14:hiddenEffects>
+            </a:ext>
+          </a:extLst>
+        </p:spPr>
+        <p:txBody>
+          <a:bodyPr vert="horz" wrap="square" lIns="91440" tIns="45720" rIns="91440" bIns="45720" numCol="1" rtlCol="0" anchor="t" anchorCtr="0" compatLnSpc="1">
+            <a:prstTxWarp prst="textNoShape">
+              <a:avLst/>
+            </a:prstTxWarp>
+          </a:bodyPr>
+          <a:lstStyle/>
+          <a:p>
+            <a:pPr marL="0" marR="0" indent="0" algn="l" defTabSz="914400" rtl="0" eaLnBrk="0" fontAlgn="base" latinLnBrk="0" hangingPunct="0">
+              <a:lnSpc>
+                <a:spcPct val="100000"/>
+              </a:lnSpc>
+              <a:spcBef>
+                <a:spcPct val="0"/>
+              </a:spcBef>
+              <a:spcAft>
+                <a:spcPct val="0"/>
+              </a:spcAft>
+              <a:buClrTx/>
+              <a:buSzTx/>
+              <a:buFontTx/>
+              <a:buNone/>
+              <a:tabLst/>
+            </a:pPr>
+            <a:endParaRPr kumimoji="0" lang="en-US" sz="1600" b="0" i="0" u="none" strike="noStrike" cap="none" normalizeH="0" baseline="0">
+              <a:ln>
+                <a:noFill/>
+              </a:ln>
+              <a:solidFill>
+                <a:srgbClr val="000000"/>
+              </a:solidFill>
+              <a:effectLst/>
+              <a:latin typeface="Arial" charset="0"/>
+              <a:ea typeface="ＭＳ Ｐゴシック" charset="0"/>
+            </a:endParaRPr>
+          </a:p>
+        </p:txBody>
+      </p:sp>
+    </p:spTree>
+    <p:extLst>
+      <p:ext uri="{BB962C8B-B14F-4D97-AF65-F5344CB8AC3E}">
+        <p14:creationId xmlns:p14="http://schemas.microsoft.com/office/powerpoint/2010/main" val="4116706747"/>
       </p:ext>
     </p:extLst>
   </p:cSld>
@@ -8418,7 +9228,7 @@
             <a:effectLst/>
             <a:extLst>
               <a:ext uri="{AF507438-7753-43e0-B8FC-AC1667EBCBE1}">
-                <a14:hiddenEffects xmlns:a14="http://schemas.microsoft.com/office/drawing/2010/main" xmlns="">
+                <a14:hiddenEffects xmlns="" xmlns:a14="http://schemas.microsoft.com/office/drawing/2010/main">
                   <a:effectLst>
                     <a:outerShdw blurRad="63500" dist="38099" dir="2700000" algn="ctr" rotWithShape="0">
                       <a:schemeClr val="bg2">
@@ -8522,7 +9332,7 @@
             <a:effectLst/>
             <a:extLst>
               <a:ext uri="{AF507438-7753-43e0-B8FC-AC1667EBCBE1}">
-                <a14:hiddenEffects xmlns:a14="http://schemas.microsoft.com/office/drawing/2010/main" xmlns="">
+                <a14:hiddenEffects xmlns="" xmlns:a14="http://schemas.microsoft.com/office/drawing/2010/main">
                   <a:effectLst>
                     <a:outerShdw blurRad="63500" dist="38099" dir="2700000" algn="ctr" rotWithShape="0">
                       <a:schemeClr val="bg2">
@@ -8642,7 +9452,7 @@
             <a:effectLst/>
             <a:extLst>
               <a:ext uri="{AF507438-7753-43e0-B8FC-AC1667EBCBE1}">
-                <a14:hiddenEffects xmlns:a14="http://schemas.microsoft.com/office/drawing/2010/main" xmlns="">
+                <a14:hiddenEffects xmlns="" xmlns:a14="http://schemas.microsoft.com/office/drawing/2010/main">
                   <a:effectLst>
                     <a:outerShdw blurRad="63500" dist="38099" dir="2700000" algn="ctr" rotWithShape="0">
                       <a:schemeClr val="bg2">
@@ -8806,7 +9616,7 @@
             <a:effectLst/>
             <a:extLst>
               <a:ext uri="{AF507438-7753-43e0-B8FC-AC1667EBCBE1}">
-                <a14:hiddenEffects xmlns:a14="http://schemas.microsoft.com/office/drawing/2010/main" xmlns="">
+                <a14:hiddenEffects xmlns="" xmlns:a14="http://schemas.microsoft.com/office/drawing/2010/main">
                   <a:effectLst>
                     <a:outerShdw blurRad="63500" dist="38099" dir="2700000" algn="ctr" rotWithShape="0">
                       <a:schemeClr val="bg2">
@@ -9014,7 +9824,7 @@
             <a:effectLst/>
             <a:extLst>
               <a:ext uri="{AF507438-7753-43e0-B8FC-AC1667EBCBE1}">
-                <a14:hiddenEffects xmlns:a14="http://schemas.microsoft.com/office/drawing/2010/main" xmlns="">
+                <a14:hiddenEffects xmlns="" xmlns:a14="http://schemas.microsoft.com/office/drawing/2010/main">
                   <a:effectLst>
                     <a:outerShdw blurRad="63500" dist="38099" dir="2700000" algn="ctr" rotWithShape="0">
                       <a:schemeClr val="bg2">
@@ -9118,7 +9928,7 @@
             <a:effectLst/>
             <a:extLst>
               <a:ext uri="{AF507438-7753-43e0-B8FC-AC1667EBCBE1}">
-                <a14:hiddenEffects xmlns:a14="http://schemas.microsoft.com/office/drawing/2010/main" xmlns="">
+                <a14:hiddenEffects xmlns="" xmlns:a14="http://schemas.microsoft.com/office/drawing/2010/main">
                   <a:effectLst>
                     <a:outerShdw blurRad="63500" dist="38099" dir="2700000" algn="ctr" rotWithShape="0">
                       <a:schemeClr val="bg2">
@@ -9258,7 +10068,7 @@
               <a:effectLst/>
               <a:extLst>
                 <a:ext uri="{AF507438-7753-43e0-B8FC-AC1667EBCBE1}">
-                  <a14:hiddenEffects xmlns:a14="http://schemas.microsoft.com/office/drawing/2010/main" xmlns="">
+                  <a14:hiddenEffects xmlns="" xmlns:a14="http://schemas.microsoft.com/office/drawing/2010/main">
                     <a:effectLst>
                       <a:outerShdw blurRad="63500" dist="38099" dir="2700000" algn="ctr" rotWithShape="0">
                         <a:schemeClr val="bg2">
@@ -9399,7 +10209,7 @@
               <a:effectLst/>
               <a:extLst>
                 <a:ext uri="{AF507438-7753-43e0-B8FC-AC1667EBCBE1}">
-                  <a14:hiddenEffects xmlns:a14="http://schemas.microsoft.com/office/drawing/2010/main" xmlns="">
+                  <a14:hiddenEffects xmlns="" xmlns:a14="http://schemas.microsoft.com/office/drawing/2010/main">
                     <a:effectLst>
                       <a:outerShdw blurRad="63500" dist="38099" dir="2700000" algn="ctr" rotWithShape="0">
                         <a:schemeClr val="bg2">
@@ -9557,7 +10367,7 @@
             <a:effectLst/>
             <a:extLst>
               <a:ext uri="{AF507438-7753-43e0-B8FC-AC1667EBCBE1}">
-                <a14:hiddenEffects xmlns:a14="http://schemas.microsoft.com/office/drawing/2010/main" xmlns="">
+                <a14:hiddenEffects xmlns="" xmlns:a14="http://schemas.microsoft.com/office/drawing/2010/main">
                   <a:effectLst>
                     <a:outerShdw blurRad="63500" dist="38099" dir="2700000" algn="ctr" rotWithShape="0">
                       <a:schemeClr val="bg2">
@@ -9846,7 +10656,7 @@
           <a:effectLst/>
           <a:extLst>
             <a:ext uri="{AF507438-7753-43e0-B8FC-AC1667EBCBE1}">
-              <a14:hiddenEffects xmlns:a14="http://schemas.microsoft.com/office/drawing/2010/main" xmlns="">
+              <a14:hiddenEffects xmlns="" xmlns:a14="http://schemas.microsoft.com/office/drawing/2010/main">
                 <a:effectLst>
                   <a:outerShdw blurRad="63500" dist="38099" dir="2700000" algn="ctr" rotWithShape="0">
                     <a:schemeClr val="bg2">
@@ -10024,7 +10834,7 @@
           <a:effectLst/>
           <a:extLst>
             <a:ext uri="{AF507438-7753-43e0-B8FC-AC1667EBCBE1}">
-              <a14:hiddenEffects xmlns:a14="http://schemas.microsoft.com/office/drawing/2010/main" xmlns="">
+              <a14:hiddenEffects xmlns="" xmlns:a14="http://schemas.microsoft.com/office/drawing/2010/main">
                 <a:effectLst>
                   <a:outerShdw blurRad="63500" dist="38099" dir="2700000" algn="ctr" rotWithShape="0">
                     <a:schemeClr val="bg2">
@@ -10109,7 +10919,7 @@
           <a:effectLst/>
           <a:extLst>
             <a:ext uri="{AF507438-7753-43e0-B8FC-AC1667EBCBE1}">
-              <a14:hiddenEffects xmlns:a14="http://schemas.microsoft.com/office/drawing/2010/main" xmlns="">
+              <a14:hiddenEffects xmlns="" xmlns:a14="http://schemas.microsoft.com/office/drawing/2010/main">
                 <a:effectLst>
                   <a:outerShdw blurRad="63500" dist="38099" dir="2700000" algn="ctr" rotWithShape="0">
                     <a:schemeClr val="bg2">
@@ -10418,7 +11228,7 @@
         <a:effectLst/>
         <a:extLst>
           <a:ext uri="{AF507438-7753-43e0-B8FC-AC1667EBCBE1}">
-            <a14:hiddenEffects xmlns="" xmlns:a14="http://schemas.microsoft.com/office/drawing/2010/main">
+            <a14:hiddenEffects xmlns:a14="http://schemas.microsoft.com/office/drawing/2010/main" xmlns="">
               <a:effectLst>
                 <a:outerShdw blurRad="63500" dist="38099" dir="2700000" algn="ctr" rotWithShape="0">
                   <a:schemeClr val="bg2">
@@ -10494,7 +11304,7 @@
         <a:effectLst/>
         <a:extLst>
           <a:ext uri="{AF507438-7753-43e0-B8FC-AC1667EBCBE1}">
-            <a14:hiddenEffects xmlns="" xmlns:a14="http://schemas.microsoft.com/office/drawing/2010/main">
+            <a14:hiddenEffects xmlns:a14="http://schemas.microsoft.com/office/drawing/2010/main" xmlns="">
               <a:effectLst>
                 <a:outerShdw blurRad="63500" dist="38099" dir="2700000" algn="ctr" rotWithShape="0">
                   <a:schemeClr val="bg2">
